--- a/pytorch/basic.pptx
+++ b/pytorch/basic.pptx
@@ -6,7 +6,8 @@
   </p:sldMasterIdLst>
   <p:sldIdLst>
     <p:sldId id="256" r:id="rId2"/>
-    <p:sldId id="257" r:id="rId3"/>
+    <p:sldId id="259" r:id="rId3"/>
+    <p:sldId id="260" r:id="rId4"/>
   </p:sldIdLst>
   <p:sldSz cx="12192000" cy="6858000"/>
   <p:notesSz cx="6858000" cy="9144000"/>
@@ -260,7 +261,7 @@
           <a:p>
             <a:fld id="{4AD6BEA1-2F19-4F6B-AEC7-B154276789D3}" type="datetimeFigureOut">
               <a:rPr lang="zh-CN" altLang="en-US" smtClean="0"/>
-              <a:t>2020/11/23</a:t>
+              <a:t>2020/12/3</a:t>
             </a:fld>
             <a:endParaRPr lang="zh-CN" altLang="en-US"/>
           </a:p>
@@ -458,7 +459,7 @@
           <a:p>
             <a:fld id="{4AD6BEA1-2F19-4F6B-AEC7-B154276789D3}" type="datetimeFigureOut">
               <a:rPr lang="zh-CN" altLang="en-US" smtClean="0"/>
-              <a:t>2020/11/23</a:t>
+              <a:t>2020/12/3</a:t>
             </a:fld>
             <a:endParaRPr lang="zh-CN" altLang="en-US"/>
           </a:p>
@@ -666,7 +667,7 @@
           <a:p>
             <a:fld id="{4AD6BEA1-2F19-4F6B-AEC7-B154276789D3}" type="datetimeFigureOut">
               <a:rPr lang="zh-CN" altLang="en-US" smtClean="0"/>
-              <a:t>2020/11/23</a:t>
+              <a:t>2020/12/3</a:t>
             </a:fld>
             <a:endParaRPr lang="zh-CN" altLang="en-US"/>
           </a:p>
@@ -864,7 +865,7 @@
           <a:p>
             <a:fld id="{4AD6BEA1-2F19-4F6B-AEC7-B154276789D3}" type="datetimeFigureOut">
               <a:rPr lang="zh-CN" altLang="en-US" smtClean="0"/>
-              <a:t>2020/11/23</a:t>
+              <a:t>2020/12/3</a:t>
             </a:fld>
             <a:endParaRPr lang="zh-CN" altLang="en-US"/>
           </a:p>
@@ -1139,7 +1140,7 @@
           <a:p>
             <a:fld id="{4AD6BEA1-2F19-4F6B-AEC7-B154276789D3}" type="datetimeFigureOut">
               <a:rPr lang="zh-CN" altLang="en-US" smtClean="0"/>
-              <a:t>2020/11/23</a:t>
+              <a:t>2020/12/3</a:t>
             </a:fld>
             <a:endParaRPr lang="zh-CN" altLang="en-US"/>
           </a:p>
@@ -1404,7 +1405,7 @@
           <a:p>
             <a:fld id="{4AD6BEA1-2F19-4F6B-AEC7-B154276789D3}" type="datetimeFigureOut">
               <a:rPr lang="zh-CN" altLang="en-US" smtClean="0"/>
-              <a:t>2020/11/23</a:t>
+              <a:t>2020/12/3</a:t>
             </a:fld>
             <a:endParaRPr lang="zh-CN" altLang="en-US"/>
           </a:p>
@@ -1816,7 +1817,7 @@
           <a:p>
             <a:fld id="{4AD6BEA1-2F19-4F6B-AEC7-B154276789D3}" type="datetimeFigureOut">
               <a:rPr lang="zh-CN" altLang="en-US" smtClean="0"/>
-              <a:t>2020/11/23</a:t>
+              <a:t>2020/12/3</a:t>
             </a:fld>
             <a:endParaRPr lang="zh-CN" altLang="en-US"/>
           </a:p>
@@ -1957,7 +1958,7 @@
           <a:p>
             <a:fld id="{4AD6BEA1-2F19-4F6B-AEC7-B154276789D3}" type="datetimeFigureOut">
               <a:rPr lang="zh-CN" altLang="en-US" smtClean="0"/>
-              <a:t>2020/11/23</a:t>
+              <a:t>2020/12/3</a:t>
             </a:fld>
             <a:endParaRPr lang="zh-CN" altLang="en-US"/>
           </a:p>
@@ -2070,7 +2071,7 @@
           <a:p>
             <a:fld id="{4AD6BEA1-2F19-4F6B-AEC7-B154276789D3}" type="datetimeFigureOut">
               <a:rPr lang="zh-CN" altLang="en-US" smtClean="0"/>
-              <a:t>2020/11/23</a:t>
+              <a:t>2020/12/3</a:t>
             </a:fld>
             <a:endParaRPr lang="zh-CN" altLang="en-US"/>
           </a:p>
@@ -2381,7 +2382,7 @@
           <a:p>
             <a:fld id="{4AD6BEA1-2F19-4F6B-AEC7-B154276789D3}" type="datetimeFigureOut">
               <a:rPr lang="zh-CN" altLang="en-US" smtClean="0"/>
-              <a:t>2020/11/23</a:t>
+              <a:t>2020/12/3</a:t>
             </a:fld>
             <a:endParaRPr lang="zh-CN" altLang="en-US"/>
           </a:p>
@@ -2669,7 +2670,7 @@
           <a:p>
             <a:fld id="{4AD6BEA1-2F19-4F6B-AEC7-B154276789D3}" type="datetimeFigureOut">
               <a:rPr lang="zh-CN" altLang="en-US" smtClean="0"/>
-              <a:t>2020/11/23</a:t>
+              <a:t>2020/12/3</a:t>
             </a:fld>
             <a:endParaRPr lang="zh-CN" altLang="en-US"/>
           </a:p>
@@ -2910,7 +2911,7 @@
           <a:p>
             <a:fld id="{4AD6BEA1-2F19-4F6B-AEC7-B154276789D3}" type="datetimeFigureOut">
               <a:rPr lang="zh-CN" altLang="en-US" smtClean="0"/>
-              <a:t>2020/11/23</a:t>
+              <a:t>2020/12/3</a:t>
             </a:fld>
             <a:endParaRPr lang="zh-CN" altLang="en-US"/>
           </a:p>
@@ -3403,6 +3404,769 @@
           </a:p>
         </p:txBody>
       </p:sp>
+      <p:sp>
+        <p:nvSpPr>
+          <p:cNvPr id="5" name="文本框 4">
+            <a:extLst>
+              <a:ext uri="{FF2B5EF4-FFF2-40B4-BE49-F238E27FC236}">
+                <a16:creationId xmlns:a16="http://schemas.microsoft.com/office/drawing/2014/main" id="{A36487F1-3F95-4FF2-80EE-59C3602A8DF0}"/>
+              </a:ext>
+            </a:extLst>
+          </p:cNvPr>
+          <p:cNvSpPr txBox="1"/>
+          <p:nvPr/>
+        </p:nvSpPr>
+        <p:spPr>
+          <a:xfrm>
+            <a:off x="584463" y="2041523"/>
+            <a:ext cx="9765180" cy="830997"/>
+          </a:xfrm>
+          <a:prstGeom prst="rect">
+            <a:avLst/>
+          </a:prstGeom>
+          <a:noFill/>
+        </p:spPr>
+        <p:txBody>
+          <a:bodyPr wrap="square" rtlCol="0">
+            <a:spAutoFit/>
+          </a:bodyPr>
+          <a:lstStyle>
+            <a:defPPr>
+              <a:defRPr lang="zh-CN"/>
+            </a:defPPr>
+            <a:lvl1pPr>
+              <a:defRPr sz="1200"/>
+            </a:lvl1pPr>
+          </a:lstStyle>
+          <a:p>
+            <a:r>
+              <a:rPr lang="en-US" altLang="zh-CN" dirty="0"/>
+              <a:t>In this section we cover the convolutional neural network, a type of neural network that is well suited</a:t>
+            </a:r>
+          </a:p>
+          <a:p>
+            <a:r>
+              <a:rPr lang="en-US" altLang="zh-CN" dirty="0"/>
+              <a:t>to detecting spatial substructure (and creating meaningful spatial substructure as a consequence).</a:t>
+            </a:r>
+          </a:p>
+          <a:p>
+            <a:r>
+              <a:rPr lang="en-US" altLang="zh-CN" dirty="0"/>
+              <a:t>CNNs accomplish this by having a small number of weights they use to scan the input data tensors.</a:t>
+            </a:r>
+          </a:p>
+          <a:p>
+            <a:r>
+              <a:rPr lang="en-US" altLang="zh-CN" dirty="0"/>
+              <a:t>From this scanning, they produce output tensors that represent the detection (or not) of substructures.</a:t>
+            </a:r>
+            <a:endParaRPr lang="zh-CN" altLang="en-US" dirty="0"/>
+          </a:p>
+        </p:txBody>
+      </p:sp>
+      <p:sp>
+        <p:nvSpPr>
+          <p:cNvPr id="6" name="文本框 5">
+            <a:extLst>
+              <a:ext uri="{FF2B5EF4-FFF2-40B4-BE49-F238E27FC236}">
+                <a16:creationId xmlns:a16="http://schemas.microsoft.com/office/drawing/2014/main" id="{89315A8E-916A-4474-99EC-4BFAFA0B4F03}"/>
+              </a:ext>
+            </a:extLst>
+          </p:cNvPr>
+          <p:cNvSpPr txBox="1"/>
+          <p:nvPr/>
+        </p:nvSpPr>
+        <p:spPr>
+          <a:xfrm>
+            <a:off x="986456" y="3132948"/>
+            <a:ext cx="1241981" cy="280868"/>
+          </a:xfrm>
+          <a:prstGeom prst="rect">
+            <a:avLst/>
+          </a:prstGeom>
+          <a:noFill/>
+        </p:spPr>
+        <p:style>
+          <a:lnRef idx="2">
+            <a:schemeClr val="accent1">
+              <a:shade val="50000"/>
+            </a:schemeClr>
+          </a:lnRef>
+          <a:fillRef idx="1">
+            <a:schemeClr val="accent1"/>
+          </a:fillRef>
+          <a:effectRef idx="0">
+            <a:schemeClr val="accent1"/>
+          </a:effectRef>
+          <a:fontRef idx="minor">
+            <a:schemeClr val="lt1"/>
+          </a:fontRef>
+        </p:style>
+        <p:txBody>
+          <a:bodyPr rtlCol="0" anchor="ctr"/>
+          <a:lstStyle>
+            <a:defPPr>
+              <a:defRPr lang="zh-CN"/>
+            </a:defPPr>
+            <a:lvl1pPr algn="ctr">
+              <a:defRPr sz="1200" b="0" i="0" u="none" strike="noStrike" baseline="0">
+                <a:solidFill>
+                  <a:srgbClr val="333333"/>
+                </a:solidFill>
+              </a:defRPr>
+            </a:lvl1pPr>
+            <a:lvl2pPr>
+              <a:defRPr>
+                <a:solidFill>
+                  <a:schemeClr val="lt1"/>
+                </a:solidFill>
+              </a:defRPr>
+            </a:lvl2pPr>
+            <a:lvl3pPr>
+              <a:defRPr>
+                <a:solidFill>
+                  <a:schemeClr val="lt1"/>
+                </a:solidFill>
+              </a:defRPr>
+            </a:lvl3pPr>
+            <a:lvl4pPr>
+              <a:defRPr>
+                <a:solidFill>
+                  <a:schemeClr val="lt1"/>
+                </a:solidFill>
+              </a:defRPr>
+            </a:lvl4pPr>
+            <a:lvl5pPr>
+              <a:defRPr>
+                <a:solidFill>
+                  <a:schemeClr val="lt1"/>
+                </a:solidFill>
+              </a:defRPr>
+            </a:lvl5pPr>
+            <a:lvl6pPr>
+              <a:defRPr>
+                <a:solidFill>
+                  <a:schemeClr val="lt1"/>
+                </a:solidFill>
+              </a:defRPr>
+            </a:lvl6pPr>
+            <a:lvl7pPr>
+              <a:defRPr>
+                <a:solidFill>
+                  <a:schemeClr val="lt1"/>
+                </a:solidFill>
+              </a:defRPr>
+            </a:lvl7pPr>
+            <a:lvl8pPr>
+              <a:defRPr>
+                <a:solidFill>
+                  <a:schemeClr val="lt1"/>
+                </a:solidFill>
+              </a:defRPr>
+            </a:lvl8pPr>
+            <a:lvl9pPr>
+              <a:defRPr>
+                <a:solidFill>
+                  <a:schemeClr val="lt1"/>
+                </a:solidFill>
+              </a:defRPr>
+            </a:lvl9pPr>
+          </a:lstStyle>
+          <a:p>
+            <a:r>
+              <a:rPr lang="en-US" altLang="zh-CN" dirty="0" err="1"/>
+              <a:t>In_channels</a:t>
+            </a:r>
+            <a:endParaRPr lang="zh-CN" altLang="en-US" dirty="0"/>
+          </a:p>
+        </p:txBody>
+      </p:sp>
+      <p:sp>
+        <p:nvSpPr>
+          <p:cNvPr id="7" name="文本框 6">
+            <a:extLst>
+              <a:ext uri="{FF2B5EF4-FFF2-40B4-BE49-F238E27FC236}">
+                <a16:creationId xmlns:a16="http://schemas.microsoft.com/office/drawing/2014/main" id="{84CA68BB-21B5-4B74-A5C6-527BCA08C7B3}"/>
+              </a:ext>
+            </a:extLst>
+          </p:cNvPr>
+          <p:cNvSpPr txBox="1"/>
+          <p:nvPr/>
+        </p:nvSpPr>
+        <p:spPr>
+          <a:xfrm>
+            <a:off x="2322705" y="3132948"/>
+            <a:ext cx="1241981" cy="280868"/>
+          </a:xfrm>
+          <a:prstGeom prst="rect">
+            <a:avLst/>
+          </a:prstGeom>
+          <a:noFill/>
+        </p:spPr>
+        <p:style>
+          <a:lnRef idx="2">
+            <a:schemeClr val="accent1">
+              <a:shade val="50000"/>
+            </a:schemeClr>
+          </a:lnRef>
+          <a:fillRef idx="1">
+            <a:schemeClr val="accent1"/>
+          </a:fillRef>
+          <a:effectRef idx="0">
+            <a:schemeClr val="accent1"/>
+          </a:effectRef>
+          <a:fontRef idx="minor">
+            <a:schemeClr val="lt1"/>
+          </a:fontRef>
+        </p:style>
+        <p:txBody>
+          <a:bodyPr rtlCol="0" anchor="ctr"/>
+          <a:lstStyle>
+            <a:defPPr>
+              <a:defRPr lang="zh-CN"/>
+            </a:defPPr>
+            <a:lvl1pPr algn="ctr">
+              <a:defRPr sz="1200" b="0" i="0" u="none" strike="noStrike" baseline="0">
+                <a:solidFill>
+                  <a:srgbClr val="333333"/>
+                </a:solidFill>
+              </a:defRPr>
+            </a:lvl1pPr>
+            <a:lvl2pPr>
+              <a:defRPr>
+                <a:solidFill>
+                  <a:schemeClr val="lt1"/>
+                </a:solidFill>
+              </a:defRPr>
+            </a:lvl2pPr>
+            <a:lvl3pPr>
+              <a:defRPr>
+                <a:solidFill>
+                  <a:schemeClr val="lt1"/>
+                </a:solidFill>
+              </a:defRPr>
+            </a:lvl3pPr>
+            <a:lvl4pPr>
+              <a:defRPr>
+                <a:solidFill>
+                  <a:schemeClr val="lt1"/>
+                </a:solidFill>
+              </a:defRPr>
+            </a:lvl4pPr>
+            <a:lvl5pPr>
+              <a:defRPr>
+                <a:solidFill>
+                  <a:schemeClr val="lt1"/>
+                </a:solidFill>
+              </a:defRPr>
+            </a:lvl5pPr>
+            <a:lvl6pPr>
+              <a:defRPr>
+                <a:solidFill>
+                  <a:schemeClr val="lt1"/>
+                </a:solidFill>
+              </a:defRPr>
+            </a:lvl6pPr>
+            <a:lvl7pPr>
+              <a:defRPr>
+                <a:solidFill>
+                  <a:schemeClr val="lt1"/>
+                </a:solidFill>
+              </a:defRPr>
+            </a:lvl7pPr>
+            <a:lvl8pPr>
+              <a:defRPr>
+                <a:solidFill>
+                  <a:schemeClr val="lt1"/>
+                </a:solidFill>
+              </a:defRPr>
+            </a:lvl8pPr>
+            <a:lvl9pPr>
+              <a:defRPr>
+                <a:solidFill>
+                  <a:schemeClr val="lt1"/>
+                </a:solidFill>
+              </a:defRPr>
+            </a:lvl9pPr>
+          </a:lstStyle>
+          <a:p>
+            <a:r>
+              <a:rPr lang="en-US" altLang="zh-CN" dirty="0" err="1"/>
+              <a:t>kernel_size</a:t>
+            </a:r>
+            <a:endParaRPr lang="zh-CN" altLang="en-US" dirty="0"/>
+          </a:p>
+        </p:txBody>
+      </p:sp>
+      <p:sp>
+        <p:nvSpPr>
+          <p:cNvPr id="8" name="文本框 7">
+            <a:extLst>
+              <a:ext uri="{FF2B5EF4-FFF2-40B4-BE49-F238E27FC236}">
+                <a16:creationId xmlns:a16="http://schemas.microsoft.com/office/drawing/2014/main" id="{1CEE8783-DA7B-4CE7-B5BB-7D11EB0B70EA}"/>
+              </a:ext>
+            </a:extLst>
+          </p:cNvPr>
+          <p:cNvSpPr txBox="1"/>
+          <p:nvPr/>
+        </p:nvSpPr>
+        <p:spPr>
+          <a:xfrm>
+            <a:off x="3658954" y="3132948"/>
+            <a:ext cx="1241981" cy="276999"/>
+          </a:xfrm>
+          <a:prstGeom prst="rect">
+            <a:avLst/>
+          </a:prstGeom>
+          <a:noFill/>
+        </p:spPr>
+        <p:style>
+          <a:lnRef idx="2">
+            <a:schemeClr val="accent1">
+              <a:shade val="50000"/>
+            </a:schemeClr>
+          </a:lnRef>
+          <a:fillRef idx="1">
+            <a:schemeClr val="accent1"/>
+          </a:fillRef>
+          <a:effectRef idx="0">
+            <a:schemeClr val="accent1"/>
+          </a:effectRef>
+          <a:fontRef idx="minor">
+            <a:schemeClr val="lt1"/>
+          </a:fontRef>
+        </p:style>
+        <p:txBody>
+          <a:bodyPr rtlCol="0" anchor="ctr"/>
+          <a:lstStyle>
+            <a:defPPr>
+              <a:defRPr lang="zh-CN"/>
+            </a:defPPr>
+            <a:lvl1pPr algn="ctr">
+              <a:defRPr sz="1200" b="0" i="0" u="none" strike="noStrike" baseline="0">
+                <a:solidFill>
+                  <a:srgbClr val="333333"/>
+                </a:solidFill>
+              </a:defRPr>
+            </a:lvl1pPr>
+            <a:lvl2pPr>
+              <a:defRPr>
+                <a:solidFill>
+                  <a:schemeClr val="lt1"/>
+                </a:solidFill>
+              </a:defRPr>
+            </a:lvl2pPr>
+            <a:lvl3pPr>
+              <a:defRPr>
+                <a:solidFill>
+                  <a:schemeClr val="lt1"/>
+                </a:solidFill>
+              </a:defRPr>
+            </a:lvl3pPr>
+            <a:lvl4pPr>
+              <a:defRPr>
+                <a:solidFill>
+                  <a:schemeClr val="lt1"/>
+                </a:solidFill>
+              </a:defRPr>
+            </a:lvl4pPr>
+            <a:lvl5pPr>
+              <a:defRPr>
+                <a:solidFill>
+                  <a:schemeClr val="lt1"/>
+                </a:solidFill>
+              </a:defRPr>
+            </a:lvl5pPr>
+            <a:lvl6pPr>
+              <a:defRPr>
+                <a:solidFill>
+                  <a:schemeClr val="lt1"/>
+                </a:solidFill>
+              </a:defRPr>
+            </a:lvl6pPr>
+            <a:lvl7pPr>
+              <a:defRPr>
+                <a:solidFill>
+                  <a:schemeClr val="lt1"/>
+                </a:solidFill>
+              </a:defRPr>
+            </a:lvl7pPr>
+            <a:lvl8pPr>
+              <a:defRPr>
+                <a:solidFill>
+                  <a:schemeClr val="lt1"/>
+                </a:solidFill>
+              </a:defRPr>
+            </a:lvl8pPr>
+            <a:lvl9pPr>
+              <a:defRPr>
+                <a:solidFill>
+                  <a:schemeClr val="lt1"/>
+                </a:solidFill>
+              </a:defRPr>
+            </a:lvl9pPr>
+          </a:lstStyle>
+          <a:p>
+            <a:r>
+              <a:rPr lang="en-US" altLang="zh-CN" dirty="0"/>
+              <a:t>STRIDE</a:t>
+            </a:r>
+            <a:endParaRPr lang="zh-CN" altLang="en-US" dirty="0"/>
+          </a:p>
+        </p:txBody>
+      </p:sp>
+      <p:sp>
+        <p:nvSpPr>
+          <p:cNvPr id="9" name="文本框 8">
+            <a:extLst>
+              <a:ext uri="{FF2B5EF4-FFF2-40B4-BE49-F238E27FC236}">
+                <a16:creationId xmlns:a16="http://schemas.microsoft.com/office/drawing/2014/main" id="{CE9B0E8A-D2A9-48AA-A471-C1FCA9168408}"/>
+              </a:ext>
+            </a:extLst>
+          </p:cNvPr>
+          <p:cNvSpPr txBox="1"/>
+          <p:nvPr/>
+        </p:nvSpPr>
+        <p:spPr>
+          <a:xfrm>
+            <a:off x="5130439" y="3152001"/>
+            <a:ext cx="1241981" cy="276999"/>
+          </a:xfrm>
+          <a:prstGeom prst="rect">
+            <a:avLst/>
+          </a:prstGeom>
+          <a:noFill/>
+        </p:spPr>
+        <p:style>
+          <a:lnRef idx="2">
+            <a:schemeClr val="accent1">
+              <a:shade val="50000"/>
+            </a:schemeClr>
+          </a:lnRef>
+          <a:fillRef idx="1">
+            <a:schemeClr val="accent1"/>
+          </a:fillRef>
+          <a:effectRef idx="0">
+            <a:schemeClr val="accent1"/>
+          </a:effectRef>
+          <a:fontRef idx="minor">
+            <a:schemeClr val="lt1"/>
+          </a:fontRef>
+        </p:style>
+        <p:txBody>
+          <a:bodyPr rtlCol="0" anchor="ctr"/>
+          <a:lstStyle>
+            <a:defPPr>
+              <a:defRPr lang="zh-CN"/>
+            </a:defPPr>
+            <a:lvl1pPr algn="ctr">
+              <a:defRPr sz="1200" b="0" i="0" u="none" strike="noStrike" baseline="0">
+                <a:solidFill>
+                  <a:srgbClr val="333333"/>
+                </a:solidFill>
+              </a:defRPr>
+            </a:lvl1pPr>
+            <a:lvl2pPr>
+              <a:defRPr>
+                <a:solidFill>
+                  <a:schemeClr val="lt1"/>
+                </a:solidFill>
+              </a:defRPr>
+            </a:lvl2pPr>
+            <a:lvl3pPr>
+              <a:defRPr>
+                <a:solidFill>
+                  <a:schemeClr val="lt1"/>
+                </a:solidFill>
+              </a:defRPr>
+            </a:lvl3pPr>
+            <a:lvl4pPr>
+              <a:defRPr>
+                <a:solidFill>
+                  <a:schemeClr val="lt1"/>
+                </a:solidFill>
+              </a:defRPr>
+            </a:lvl4pPr>
+            <a:lvl5pPr>
+              <a:defRPr>
+                <a:solidFill>
+                  <a:schemeClr val="lt1"/>
+                </a:solidFill>
+              </a:defRPr>
+            </a:lvl5pPr>
+            <a:lvl6pPr>
+              <a:defRPr>
+                <a:solidFill>
+                  <a:schemeClr val="lt1"/>
+                </a:solidFill>
+              </a:defRPr>
+            </a:lvl6pPr>
+            <a:lvl7pPr>
+              <a:defRPr>
+                <a:solidFill>
+                  <a:schemeClr val="lt1"/>
+                </a:solidFill>
+              </a:defRPr>
+            </a:lvl7pPr>
+            <a:lvl8pPr>
+              <a:defRPr>
+                <a:solidFill>
+                  <a:schemeClr val="lt1"/>
+                </a:solidFill>
+              </a:defRPr>
+            </a:lvl8pPr>
+            <a:lvl9pPr>
+              <a:defRPr>
+                <a:solidFill>
+                  <a:schemeClr val="lt1"/>
+                </a:solidFill>
+              </a:defRPr>
+            </a:lvl9pPr>
+          </a:lstStyle>
+          <a:p>
+            <a:r>
+              <a:rPr lang="en-US" altLang="zh-CN" dirty="0"/>
+              <a:t>PADDING</a:t>
+            </a:r>
+            <a:endParaRPr lang="zh-CN" altLang="en-US" dirty="0"/>
+          </a:p>
+        </p:txBody>
+      </p:sp>
+      <p:sp>
+        <p:nvSpPr>
+          <p:cNvPr id="10" name="文本框 9">
+            <a:extLst>
+              <a:ext uri="{FF2B5EF4-FFF2-40B4-BE49-F238E27FC236}">
+                <a16:creationId xmlns:a16="http://schemas.microsoft.com/office/drawing/2014/main" id="{47C6ED82-BD41-46F3-A79F-95B8B0B9C37A}"/>
+              </a:ext>
+            </a:extLst>
+          </p:cNvPr>
+          <p:cNvSpPr txBox="1"/>
+          <p:nvPr/>
+        </p:nvSpPr>
+        <p:spPr>
+          <a:xfrm>
+            <a:off x="6560956" y="3152001"/>
+            <a:ext cx="1241981" cy="276999"/>
+          </a:xfrm>
+          <a:prstGeom prst="rect">
+            <a:avLst/>
+          </a:prstGeom>
+          <a:noFill/>
+        </p:spPr>
+        <p:style>
+          <a:lnRef idx="2">
+            <a:schemeClr val="accent1">
+              <a:shade val="50000"/>
+            </a:schemeClr>
+          </a:lnRef>
+          <a:fillRef idx="1">
+            <a:schemeClr val="accent1"/>
+          </a:fillRef>
+          <a:effectRef idx="0">
+            <a:schemeClr val="accent1"/>
+          </a:effectRef>
+          <a:fontRef idx="minor">
+            <a:schemeClr val="lt1"/>
+          </a:fontRef>
+        </p:style>
+        <p:txBody>
+          <a:bodyPr rtlCol="0" anchor="ctr"/>
+          <a:lstStyle>
+            <a:defPPr>
+              <a:defRPr lang="zh-CN"/>
+            </a:defPPr>
+            <a:lvl1pPr algn="ctr">
+              <a:defRPr sz="1200" b="0" i="0" u="none" strike="noStrike" baseline="0">
+                <a:solidFill>
+                  <a:srgbClr val="333333"/>
+                </a:solidFill>
+              </a:defRPr>
+            </a:lvl1pPr>
+            <a:lvl2pPr>
+              <a:defRPr>
+                <a:solidFill>
+                  <a:schemeClr val="lt1"/>
+                </a:solidFill>
+              </a:defRPr>
+            </a:lvl2pPr>
+            <a:lvl3pPr>
+              <a:defRPr>
+                <a:solidFill>
+                  <a:schemeClr val="lt1"/>
+                </a:solidFill>
+              </a:defRPr>
+            </a:lvl3pPr>
+            <a:lvl4pPr>
+              <a:defRPr>
+                <a:solidFill>
+                  <a:schemeClr val="lt1"/>
+                </a:solidFill>
+              </a:defRPr>
+            </a:lvl4pPr>
+            <a:lvl5pPr>
+              <a:defRPr>
+                <a:solidFill>
+                  <a:schemeClr val="lt1"/>
+                </a:solidFill>
+              </a:defRPr>
+            </a:lvl5pPr>
+            <a:lvl6pPr>
+              <a:defRPr>
+                <a:solidFill>
+                  <a:schemeClr val="lt1"/>
+                </a:solidFill>
+              </a:defRPr>
+            </a:lvl6pPr>
+            <a:lvl7pPr>
+              <a:defRPr>
+                <a:solidFill>
+                  <a:schemeClr val="lt1"/>
+                </a:solidFill>
+              </a:defRPr>
+            </a:lvl7pPr>
+            <a:lvl8pPr>
+              <a:defRPr>
+                <a:solidFill>
+                  <a:schemeClr val="lt1"/>
+                </a:solidFill>
+              </a:defRPr>
+            </a:lvl8pPr>
+            <a:lvl9pPr>
+              <a:defRPr>
+                <a:solidFill>
+                  <a:schemeClr val="lt1"/>
+                </a:solidFill>
+              </a:defRPr>
+            </a:lvl9pPr>
+          </a:lstStyle>
+          <a:p>
+            <a:r>
+              <a:rPr lang="en-US" altLang="zh-CN" dirty="0"/>
+              <a:t>DILATION</a:t>
+            </a:r>
+            <a:endParaRPr lang="zh-CN" altLang="en-US" dirty="0"/>
+          </a:p>
+        </p:txBody>
+      </p:sp>
+      <p:sp>
+        <p:nvSpPr>
+          <p:cNvPr id="11" name="文本框 10">
+            <a:extLst>
+              <a:ext uri="{FF2B5EF4-FFF2-40B4-BE49-F238E27FC236}">
+                <a16:creationId xmlns:a16="http://schemas.microsoft.com/office/drawing/2014/main" id="{C4AFECD9-A4BA-4041-9535-593E85655E80}"/>
+              </a:ext>
+            </a:extLst>
+          </p:cNvPr>
+          <p:cNvSpPr txBox="1"/>
+          <p:nvPr/>
+        </p:nvSpPr>
+        <p:spPr>
+          <a:xfrm>
+            <a:off x="986455" y="3540162"/>
+            <a:ext cx="1241981" cy="280868"/>
+          </a:xfrm>
+          <a:prstGeom prst="rect">
+            <a:avLst/>
+          </a:prstGeom>
+          <a:noFill/>
+        </p:spPr>
+        <p:style>
+          <a:lnRef idx="2">
+            <a:schemeClr val="accent1">
+              <a:shade val="50000"/>
+            </a:schemeClr>
+          </a:lnRef>
+          <a:fillRef idx="1">
+            <a:schemeClr val="accent1"/>
+          </a:fillRef>
+          <a:effectRef idx="0">
+            <a:schemeClr val="accent1"/>
+          </a:effectRef>
+          <a:fontRef idx="minor">
+            <a:schemeClr val="lt1"/>
+          </a:fontRef>
+        </p:style>
+        <p:txBody>
+          <a:bodyPr rtlCol="0" anchor="ctr"/>
+          <a:lstStyle>
+            <a:defPPr>
+              <a:defRPr lang="zh-CN"/>
+            </a:defPPr>
+            <a:lvl1pPr algn="ctr">
+              <a:defRPr sz="1200" b="0" i="0" u="none" strike="noStrike" baseline="0">
+                <a:solidFill>
+                  <a:srgbClr val="333333"/>
+                </a:solidFill>
+              </a:defRPr>
+            </a:lvl1pPr>
+            <a:lvl2pPr>
+              <a:defRPr>
+                <a:solidFill>
+                  <a:schemeClr val="lt1"/>
+                </a:solidFill>
+              </a:defRPr>
+            </a:lvl2pPr>
+            <a:lvl3pPr>
+              <a:defRPr>
+                <a:solidFill>
+                  <a:schemeClr val="lt1"/>
+                </a:solidFill>
+              </a:defRPr>
+            </a:lvl3pPr>
+            <a:lvl4pPr>
+              <a:defRPr>
+                <a:solidFill>
+                  <a:schemeClr val="lt1"/>
+                </a:solidFill>
+              </a:defRPr>
+            </a:lvl4pPr>
+            <a:lvl5pPr>
+              <a:defRPr>
+                <a:solidFill>
+                  <a:schemeClr val="lt1"/>
+                </a:solidFill>
+              </a:defRPr>
+            </a:lvl5pPr>
+            <a:lvl6pPr>
+              <a:defRPr>
+                <a:solidFill>
+                  <a:schemeClr val="lt1"/>
+                </a:solidFill>
+              </a:defRPr>
+            </a:lvl6pPr>
+            <a:lvl7pPr>
+              <a:defRPr>
+                <a:solidFill>
+                  <a:schemeClr val="lt1"/>
+                </a:solidFill>
+              </a:defRPr>
+            </a:lvl7pPr>
+            <a:lvl8pPr>
+              <a:defRPr>
+                <a:solidFill>
+                  <a:schemeClr val="lt1"/>
+                </a:solidFill>
+              </a:defRPr>
+            </a:lvl8pPr>
+            <a:lvl9pPr>
+              <a:defRPr>
+                <a:solidFill>
+                  <a:schemeClr val="lt1"/>
+                </a:solidFill>
+              </a:defRPr>
+            </a:lvl9pPr>
+          </a:lstStyle>
+          <a:p>
+            <a:r>
+              <a:rPr lang="en-US" altLang="zh-CN" dirty="0" err="1"/>
+              <a:t>out_channels</a:t>
+            </a:r>
+            <a:endParaRPr lang="zh-CN" altLang="en-US" dirty="0"/>
+          </a:p>
+        </p:txBody>
+      </p:sp>
     </p:spTree>
     <p:extLst>
       <p:ext uri="{BB962C8B-B14F-4D97-AF65-F5344CB8AC3E}">
@@ -3435,10 +4199,10 @@
       </p:grpSpPr>
       <p:sp>
         <p:nvSpPr>
-          <p:cNvPr id="4" name="文本框 3">
-            <a:extLst>
-              <a:ext uri="{FF2B5EF4-FFF2-40B4-BE49-F238E27FC236}">
-                <a16:creationId xmlns:a16="http://schemas.microsoft.com/office/drawing/2014/main" id="{9C4D0FC4-B4E3-4E1A-86C0-4D57F175F4F1}"/>
+          <p:cNvPr id="5" name="文本框 4">
+            <a:extLst>
+              <a:ext uri="{FF2B5EF4-FFF2-40B4-BE49-F238E27FC236}">
+                <a16:creationId xmlns:a16="http://schemas.microsoft.com/office/drawing/2014/main" id="{F8032D76-D87C-456B-B615-7311C3B70FDD}"/>
               </a:ext>
             </a:extLst>
           </p:cNvPr>
@@ -3447,8 +4211,8 @@
         </p:nvSpPr>
         <p:spPr>
           <a:xfrm>
-            <a:off x="584463" y="358218"/>
-            <a:ext cx="6099747" cy="276999"/>
+            <a:off x="596245" y="409967"/>
+            <a:ext cx="4692192" cy="5170646"/>
           </a:xfrm>
           <a:prstGeom prst="rect">
             <a:avLst/>
@@ -3456,25 +4220,397 @@
           <a:noFill/>
         </p:spPr>
         <p:txBody>
-          <a:bodyPr wrap="none" rtlCol="0">
+          <a:bodyPr wrap="square" rtlCol="0">
             <a:spAutoFit/>
           </a:bodyPr>
-          <a:lstStyle/>
-          <a:p>
-            <a:r>
-              <a:rPr lang="en-US" altLang="zh-CN" sz="1200" dirty="0"/>
-              <a:t>This section begins with a description of the surnames dataset and its preprocessing steps.</a:t>
-            </a:r>
-            <a:endParaRPr lang="zh-CN" altLang="en-US" sz="1200" dirty="0"/>
-          </a:p>
-        </p:txBody>
-      </p:sp>
-      <p:sp>
-        <p:nvSpPr>
-          <p:cNvPr id="5" name="矩形 4">
-            <a:extLst>
-              <a:ext uri="{FF2B5EF4-FFF2-40B4-BE49-F238E27FC236}">
-                <a16:creationId xmlns:a16="http://schemas.microsoft.com/office/drawing/2014/main" id="{DC0649EC-836B-4E09-A3D3-F299713CBDE3}"/>
+          <a:lstStyle>
+            <a:defPPr>
+              <a:defRPr lang="zh-CN"/>
+            </a:defPPr>
+            <a:lvl1pPr>
+              <a:defRPr sz="1200"/>
+            </a:lvl1pPr>
+          </a:lstStyle>
+          <a:p>
+            <a:r>
+              <a:rPr lang="en-US" altLang="zh-CN" dirty="0" err="1"/>
+              <a:t>batch_size</a:t>
+            </a:r>
+            <a:r>
+              <a:rPr lang="en-US" altLang="zh-CN" dirty="0"/>
+              <a:t> = 2</a:t>
+            </a:r>
+          </a:p>
+          <a:p>
+            <a:r>
+              <a:rPr lang="en-US" altLang="zh-CN" dirty="0" err="1"/>
+              <a:t>one_hot_size</a:t>
+            </a:r>
+            <a:r>
+              <a:rPr lang="en-US" altLang="zh-CN" dirty="0"/>
+              <a:t> = 10</a:t>
+            </a:r>
+          </a:p>
+          <a:p>
+            <a:r>
+              <a:rPr lang="en-US" altLang="zh-CN" dirty="0" err="1"/>
+              <a:t>sequence_width</a:t>
+            </a:r>
+            <a:r>
+              <a:rPr lang="en-US" altLang="zh-CN" dirty="0"/>
+              <a:t> = 7</a:t>
+            </a:r>
+          </a:p>
+          <a:p>
+            <a:r>
+              <a:rPr lang="en-US" altLang="zh-CN" dirty="0"/>
+              <a:t>data = </a:t>
+            </a:r>
+            <a:r>
+              <a:rPr lang="en-US" altLang="zh-CN" dirty="0" err="1"/>
+              <a:t>torch.randn</a:t>
+            </a:r>
+            <a:r>
+              <a:rPr lang="en-US" altLang="zh-CN" dirty="0"/>
+              <a:t>(</a:t>
+            </a:r>
+            <a:r>
+              <a:rPr lang="en-US" altLang="zh-CN" dirty="0" err="1"/>
+              <a:t>batch_size</a:t>
+            </a:r>
+            <a:r>
+              <a:rPr lang="en-US" altLang="zh-CN" dirty="0"/>
+              <a:t>, </a:t>
+            </a:r>
+            <a:r>
+              <a:rPr lang="en-US" altLang="zh-CN" dirty="0" err="1"/>
+              <a:t>one_hot_size</a:t>
+            </a:r>
+            <a:r>
+              <a:rPr lang="en-US" altLang="zh-CN" dirty="0"/>
+              <a:t>, </a:t>
+            </a:r>
+            <a:r>
+              <a:rPr lang="en-US" altLang="zh-CN" dirty="0" err="1"/>
+              <a:t>sequence_width</a:t>
+            </a:r>
+            <a:r>
+              <a:rPr lang="en-US" altLang="zh-CN" dirty="0"/>
+              <a:t>)</a:t>
+            </a:r>
+          </a:p>
+          <a:p>
+            <a:r>
+              <a:rPr lang="en-US" altLang="zh-CN" dirty="0"/>
+              <a:t>conv1 = Conv1d(</a:t>
+            </a:r>
+            <a:r>
+              <a:rPr lang="en-US" altLang="zh-CN" dirty="0" err="1"/>
+              <a:t>in_channels</a:t>
+            </a:r>
+            <a:r>
+              <a:rPr lang="en-US" altLang="zh-CN" dirty="0"/>
+              <a:t>=</a:t>
+            </a:r>
+            <a:r>
+              <a:rPr lang="en-US" altLang="zh-CN" dirty="0" err="1"/>
+              <a:t>one_hot_size</a:t>
+            </a:r>
+            <a:r>
+              <a:rPr lang="en-US" altLang="zh-CN" dirty="0"/>
+              <a:t>, </a:t>
+            </a:r>
+            <a:r>
+              <a:rPr lang="en-US" altLang="zh-CN" dirty="0" err="1"/>
+              <a:t>out_channels</a:t>
+            </a:r>
+            <a:r>
+              <a:rPr lang="en-US" altLang="zh-CN" dirty="0"/>
+              <a:t>=16,</a:t>
+            </a:r>
+          </a:p>
+          <a:p>
+            <a:r>
+              <a:rPr lang="en-US" altLang="zh-CN" dirty="0" err="1"/>
+              <a:t>kernel_size</a:t>
+            </a:r>
+            <a:r>
+              <a:rPr lang="en-US" altLang="zh-CN" dirty="0"/>
+              <a:t>=3)</a:t>
+            </a:r>
+          </a:p>
+          <a:p>
+            <a:r>
+              <a:rPr lang="en-US" altLang="zh-CN" dirty="0"/>
+              <a:t>intermediate1 = conv1(data)</a:t>
+            </a:r>
+          </a:p>
+          <a:p>
+            <a:r>
+              <a:rPr lang="en-US" altLang="zh-CN" dirty="0"/>
+              <a:t>print(</a:t>
+            </a:r>
+            <a:r>
+              <a:rPr lang="en-US" altLang="zh-CN" dirty="0" err="1"/>
+              <a:t>data.size</a:t>
+            </a:r>
+            <a:r>
+              <a:rPr lang="en-US" altLang="zh-CN" dirty="0"/>
+              <a:t>())</a:t>
+            </a:r>
+          </a:p>
+          <a:p>
+            <a:r>
+              <a:rPr lang="en-US" altLang="zh-CN" dirty="0"/>
+              <a:t>print(intermediate1.size())</a:t>
+            </a:r>
+          </a:p>
+          <a:p>
+            <a:endParaRPr lang="en-US" altLang="zh-CN" dirty="0"/>
+          </a:p>
+          <a:p>
+            <a:pPr algn="l"/>
+            <a:r>
+              <a:rPr lang="en-US" altLang="zh-CN" dirty="0" err="1">
+                <a:highlight>
+                  <a:srgbClr val="FFFF00"/>
+                </a:highlight>
+              </a:rPr>
+              <a:t>torch.Size</a:t>
+            </a:r>
+            <a:r>
+              <a:rPr lang="en-US" altLang="zh-CN" dirty="0">
+                <a:highlight>
+                  <a:srgbClr val="FFFF00"/>
+                </a:highlight>
+              </a:rPr>
+              <a:t>([2, 10, 7])</a:t>
+            </a:r>
+          </a:p>
+          <a:p>
+            <a:pPr algn="l"/>
+            <a:r>
+              <a:rPr lang="en-US" altLang="zh-CN" dirty="0" err="1">
+                <a:highlight>
+                  <a:srgbClr val="FFFF00"/>
+                </a:highlight>
+              </a:rPr>
+              <a:t>torch.Size</a:t>
+            </a:r>
+            <a:r>
+              <a:rPr lang="en-US" altLang="zh-CN" dirty="0">
+                <a:highlight>
+                  <a:srgbClr val="FFFF00"/>
+                </a:highlight>
+              </a:rPr>
+              <a:t>([2, 16, 5])</a:t>
+            </a:r>
+          </a:p>
+          <a:p>
+            <a:endParaRPr lang="en-US" altLang="zh-CN" dirty="0"/>
+          </a:p>
+          <a:p>
+            <a:pPr algn="l"/>
+            <a:r>
+              <a:rPr lang="en-US" altLang="zh-CN" dirty="0"/>
+              <a:t>conv2 = nn.Conv1d(</a:t>
+            </a:r>
+            <a:r>
+              <a:rPr lang="en-US" altLang="zh-CN" dirty="0" err="1"/>
+              <a:t>in_channels</a:t>
+            </a:r>
+            <a:r>
+              <a:rPr lang="en-US" altLang="zh-CN" dirty="0"/>
+              <a:t>=16, </a:t>
+            </a:r>
+            <a:r>
+              <a:rPr lang="en-US" altLang="zh-CN" dirty="0" err="1"/>
+              <a:t>out_channels</a:t>
+            </a:r>
+            <a:r>
+              <a:rPr lang="en-US" altLang="zh-CN" dirty="0"/>
+              <a:t>=32, </a:t>
+            </a:r>
+            <a:r>
+              <a:rPr lang="en-US" altLang="zh-CN" dirty="0" err="1"/>
+              <a:t>kernel_size</a:t>
+            </a:r>
+            <a:r>
+              <a:rPr lang="en-US" altLang="zh-CN" dirty="0"/>
+              <a:t>=3)</a:t>
+            </a:r>
+          </a:p>
+          <a:p>
+            <a:pPr algn="l"/>
+            <a:r>
+              <a:rPr lang="en-US" altLang="zh-CN" dirty="0"/>
+              <a:t>conv3 = nn.Conv1d(</a:t>
+            </a:r>
+            <a:r>
+              <a:rPr lang="en-US" altLang="zh-CN" dirty="0" err="1"/>
+              <a:t>in_channels</a:t>
+            </a:r>
+            <a:r>
+              <a:rPr lang="en-US" altLang="zh-CN" dirty="0"/>
+              <a:t>=32, </a:t>
+            </a:r>
+            <a:r>
+              <a:rPr lang="en-US" altLang="zh-CN" dirty="0" err="1"/>
+              <a:t>out_channels</a:t>
+            </a:r>
+            <a:r>
+              <a:rPr lang="en-US" altLang="zh-CN" dirty="0"/>
+              <a:t>=64, </a:t>
+            </a:r>
+            <a:r>
+              <a:rPr lang="en-US" altLang="zh-CN" dirty="0" err="1"/>
+              <a:t>kernel_size</a:t>
+            </a:r>
+            <a:r>
+              <a:rPr lang="en-US" altLang="zh-CN" dirty="0"/>
+              <a:t>=3)</a:t>
+            </a:r>
+          </a:p>
+          <a:p>
+            <a:pPr algn="l"/>
+            <a:r>
+              <a:rPr lang="en-US" altLang="zh-CN" dirty="0"/>
+              <a:t>intermediate2 = conv2(intermediate1)</a:t>
+            </a:r>
+          </a:p>
+          <a:p>
+            <a:pPr algn="l"/>
+            <a:r>
+              <a:rPr lang="en-US" altLang="zh-CN" dirty="0"/>
+              <a:t>intermediate3 = conv3(intermediate2)</a:t>
+            </a:r>
+          </a:p>
+          <a:p>
+            <a:pPr algn="l"/>
+            <a:r>
+              <a:rPr lang="en-US" altLang="zh-CN" dirty="0"/>
+              <a:t>print(intermediate2.size())</a:t>
+            </a:r>
+          </a:p>
+          <a:p>
+            <a:pPr algn="l"/>
+            <a:r>
+              <a:rPr lang="en-US" altLang="zh-CN" dirty="0"/>
+              <a:t>print(intermediate3.size())</a:t>
+            </a:r>
+          </a:p>
+          <a:p>
+            <a:pPr algn="l"/>
+            <a:endParaRPr lang="en-US" altLang="zh-CN" dirty="0"/>
+          </a:p>
+          <a:p>
+            <a:pPr algn="l"/>
+            <a:r>
+              <a:rPr lang="en-US" altLang="zh-CN" dirty="0" err="1">
+                <a:highlight>
+                  <a:srgbClr val="FFFF00"/>
+                </a:highlight>
+              </a:rPr>
+              <a:t>torch.Size</a:t>
+            </a:r>
+            <a:r>
+              <a:rPr lang="en-US" altLang="zh-CN" dirty="0">
+                <a:highlight>
+                  <a:srgbClr val="FFFF00"/>
+                </a:highlight>
+              </a:rPr>
+              <a:t>([2, 32, 3])</a:t>
+            </a:r>
+          </a:p>
+          <a:p>
+            <a:pPr algn="l"/>
+            <a:r>
+              <a:rPr lang="en-US" altLang="zh-CN" dirty="0" err="1">
+                <a:highlight>
+                  <a:srgbClr val="FFFF00"/>
+                </a:highlight>
+              </a:rPr>
+              <a:t>torch.Size</a:t>
+            </a:r>
+            <a:r>
+              <a:rPr lang="en-US" altLang="zh-CN" dirty="0">
+                <a:highlight>
+                  <a:srgbClr val="FFFF00"/>
+                </a:highlight>
+              </a:rPr>
+              <a:t>([2, 64, 1])</a:t>
+            </a:r>
+          </a:p>
+          <a:p>
+            <a:pPr algn="l"/>
+            <a:endParaRPr lang="en-US" altLang="zh-CN" dirty="0">
+              <a:highlight>
+                <a:srgbClr val="FFFF00"/>
+              </a:highlight>
+            </a:endParaRPr>
+          </a:p>
+          <a:p>
+            <a:pPr algn="l"/>
+            <a:r>
+              <a:rPr lang="en-US" altLang="zh-CN" dirty="0" err="1"/>
+              <a:t>y_output</a:t>
+            </a:r>
+            <a:r>
+              <a:rPr lang="en-US" altLang="zh-CN" dirty="0"/>
+              <a:t> = intermediate3. squeeze()</a:t>
+            </a:r>
+          </a:p>
+          <a:p>
+            <a:pPr algn="l"/>
+            <a:r>
+              <a:rPr lang="en-US" altLang="zh-CN" dirty="0"/>
+              <a:t>print(</a:t>
+            </a:r>
+            <a:r>
+              <a:rPr lang="en-US" altLang="zh-CN" dirty="0" err="1"/>
+              <a:t>y_output.size</a:t>
+            </a:r>
+            <a:r>
+              <a:rPr lang="en-US" altLang="zh-CN" dirty="0"/>
+              <a:t>())</a:t>
+            </a:r>
+          </a:p>
+          <a:p>
+            <a:pPr algn="l"/>
+            <a:endParaRPr lang="en-US" altLang="zh-CN" dirty="0"/>
+          </a:p>
+          <a:p>
+            <a:pPr algn="l"/>
+            <a:r>
+              <a:rPr lang="en-US" altLang="zh-CN" dirty="0" err="1">
+                <a:highlight>
+                  <a:srgbClr val="FFFF00"/>
+                </a:highlight>
+              </a:rPr>
+              <a:t>torch.Size</a:t>
+            </a:r>
+            <a:r>
+              <a:rPr lang="en-US" altLang="zh-CN" dirty="0">
+                <a:highlight>
+                  <a:srgbClr val="FFFF00"/>
+                </a:highlight>
+              </a:rPr>
+              <a:t>([2, 64])</a:t>
+            </a:r>
+            <a:endParaRPr lang="zh-CN" altLang="en-US" dirty="0">
+              <a:highlight>
+                <a:srgbClr val="FFFF00"/>
+              </a:highlight>
+            </a:endParaRPr>
+          </a:p>
+        </p:txBody>
+      </p:sp>
+      <p:sp>
+        <p:nvSpPr>
+          <p:cNvPr id="7" name="矩形 6">
+            <a:extLst>
+              <a:ext uri="{FF2B5EF4-FFF2-40B4-BE49-F238E27FC236}">
+                <a16:creationId xmlns:a16="http://schemas.microsoft.com/office/drawing/2014/main" id="{21EED625-5316-418F-B032-57C2CA43473D}"/>
               </a:ext>
             </a:extLst>
           </p:cNvPr>
@@ -3483,13 +4619,12 @@
         </p:nvSpPr>
         <p:spPr>
           <a:xfrm>
-            <a:off x="1913640" y="1357460"/>
-            <a:ext cx="1310327" cy="377072"/>
+            <a:off x="6614126" y="799691"/>
+            <a:ext cx="252000" cy="360000"/>
           </a:xfrm>
           <a:prstGeom prst="rect">
             <a:avLst/>
           </a:prstGeom>
-          <a:noFill/>
         </p:spPr>
         <p:style>
           <a:lnRef idx="2">
@@ -3512,22 +4647,1763 @@
           <a:lstStyle/>
           <a:p>
             <a:pPr algn="ctr"/>
-            <a:r>
-              <a:rPr lang="en-US" altLang="zh-CN" sz="1200" b="0" i="0" u="none" strike="noStrike" baseline="0" dirty="0" err="1">
-                <a:solidFill>
-                  <a:srgbClr val="333333"/>
-                </a:solidFill>
-              </a:rPr>
-              <a:t>SurnameDataset</a:t>
-            </a:r>
-            <a:endParaRPr lang="zh-CN" altLang="en-US" sz="1200" dirty="0"/>
+            <a:endParaRPr lang="zh-CN" altLang="en-US"/>
+          </a:p>
+        </p:txBody>
+      </p:sp>
+      <p:sp>
+        <p:nvSpPr>
+          <p:cNvPr id="8" name="文本框 7">
+            <a:extLst>
+              <a:ext uri="{FF2B5EF4-FFF2-40B4-BE49-F238E27FC236}">
+                <a16:creationId xmlns:a16="http://schemas.microsoft.com/office/drawing/2014/main" id="{7020FEF9-9B1E-498B-993F-D2FD06389823}"/>
+              </a:ext>
+            </a:extLst>
+          </p:cNvPr>
+          <p:cNvSpPr txBox="1"/>
+          <p:nvPr/>
+        </p:nvSpPr>
+        <p:spPr>
+          <a:xfrm>
+            <a:off x="6328703" y="1454450"/>
+            <a:ext cx="1069524" cy="307777"/>
+          </a:xfrm>
+          <a:prstGeom prst="rect">
+            <a:avLst/>
+          </a:prstGeom>
+          <a:noFill/>
+        </p:spPr>
+        <p:txBody>
+          <a:bodyPr wrap="none" rtlCol="0">
+            <a:spAutoFit/>
+          </a:bodyPr>
+          <a:lstStyle/>
+          <a:p>
+            <a:r>
+              <a:rPr lang="en-US" altLang="zh-CN" sz="1400" dirty="0"/>
+              <a:t>2*</a:t>
+            </a:r>
+            <a:r>
+              <a:rPr lang="zh-CN" altLang="en-US" sz="1400" dirty="0"/>
+              <a:t>（</a:t>
+            </a:r>
+            <a:r>
+              <a:rPr lang="en-US" altLang="zh-CN" sz="1400" dirty="0"/>
+              <a:t>10*7</a:t>
+            </a:r>
+            <a:r>
+              <a:rPr lang="zh-CN" altLang="en-US" sz="1400" dirty="0"/>
+              <a:t>）</a:t>
+            </a:r>
+          </a:p>
+        </p:txBody>
+      </p:sp>
+      <p:sp>
+        <p:nvSpPr>
+          <p:cNvPr id="9" name="矩形 8">
+            <a:extLst>
+              <a:ext uri="{FF2B5EF4-FFF2-40B4-BE49-F238E27FC236}">
+                <a16:creationId xmlns:a16="http://schemas.microsoft.com/office/drawing/2014/main" id="{052C8344-D19F-48D7-8C5A-0AF15FEA059E}"/>
+              </a:ext>
+            </a:extLst>
+          </p:cNvPr>
+          <p:cNvSpPr/>
+          <p:nvPr/>
+        </p:nvSpPr>
+        <p:spPr>
+          <a:xfrm>
+            <a:off x="6740126" y="943507"/>
+            <a:ext cx="252000" cy="360000"/>
+          </a:xfrm>
+          <a:prstGeom prst="rect">
+            <a:avLst/>
+          </a:prstGeom>
+        </p:spPr>
+        <p:style>
+          <a:lnRef idx="2">
+            <a:schemeClr val="accent1">
+              <a:shade val="50000"/>
+            </a:schemeClr>
+          </a:lnRef>
+          <a:fillRef idx="1">
+            <a:schemeClr val="accent1"/>
+          </a:fillRef>
+          <a:effectRef idx="0">
+            <a:schemeClr val="accent1"/>
+          </a:effectRef>
+          <a:fontRef idx="minor">
+            <a:schemeClr val="lt1"/>
+          </a:fontRef>
+        </p:style>
+        <p:txBody>
+          <a:bodyPr rtlCol="0" anchor="ctr"/>
+          <a:lstStyle/>
+          <a:p>
+            <a:pPr algn="ctr"/>
+            <a:endParaRPr lang="zh-CN" altLang="en-US"/>
+          </a:p>
+        </p:txBody>
+      </p:sp>
+      <p:sp>
+        <p:nvSpPr>
+          <p:cNvPr id="11" name="文本框 10">
+            <a:extLst>
+              <a:ext uri="{FF2B5EF4-FFF2-40B4-BE49-F238E27FC236}">
+                <a16:creationId xmlns:a16="http://schemas.microsoft.com/office/drawing/2014/main" id="{D256BB63-6E12-4D72-959B-DAF448F08636}"/>
+              </a:ext>
+            </a:extLst>
+          </p:cNvPr>
+          <p:cNvSpPr txBox="1"/>
+          <p:nvPr/>
+        </p:nvSpPr>
+        <p:spPr>
+          <a:xfrm>
+            <a:off x="7225736" y="635730"/>
+            <a:ext cx="3717881" cy="307777"/>
+          </a:xfrm>
+          <a:prstGeom prst="rect">
+            <a:avLst/>
+          </a:prstGeom>
+          <a:noFill/>
+        </p:spPr>
+        <p:txBody>
+          <a:bodyPr wrap="square" rtlCol="0">
+            <a:spAutoFit/>
+          </a:bodyPr>
+          <a:lstStyle>
+            <a:defPPr>
+              <a:defRPr lang="zh-CN"/>
+            </a:defPPr>
+            <a:lvl1pPr>
+              <a:defRPr sz="1400"/>
+            </a:lvl1pPr>
+          </a:lstStyle>
+          <a:p>
+            <a:r>
+              <a:rPr lang="en-US" altLang="zh-CN" dirty="0" err="1"/>
+              <a:t>in_channels</a:t>
+            </a:r>
+            <a:r>
+              <a:rPr lang="en-US" altLang="zh-CN" dirty="0"/>
+              <a:t> =10</a:t>
+            </a:r>
+            <a:r>
+              <a:rPr lang="zh-CN" altLang="en-US" dirty="0"/>
+              <a:t>，</a:t>
+            </a:r>
+            <a:r>
+              <a:rPr lang="en-US" altLang="zh-CN" dirty="0" err="1"/>
+              <a:t>kernal</a:t>
+            </a:r>
+            <a:r>
+              <a:rPr lang="en-US" altLang="zh-CN" dirty="0"/>
+              <a:t>=3</a:t>
+            </a:r>
+            <a:r>
+              <a:rPr lang="zh-CN" altLang="en-US" dirty="0"/>
+              <a:t>，</a:t>
+            </a:r>
+            <a:r>
+              <a:rPr lang="en-US" altLang="zh-CN" dirty="0"/>
+              <a:t>output = 16</a:t>
+            </a:r>
+            <a:endParaRPr lang="zh-CN" altLang="en-US" dirty="0"/>
+          </a:p>
+        </p:txBody>
+      </p:sp>
+      <p:sp>
+        <p:nvSpPr>
+          <p:cNvPr id="12" name="文本框 11">
+            <a:extLst>
+              <a:ext uri="{FF2B5EF4-FFF2-40B4-BE49-F238E27FC236}">
+                <a16:creationId xmlns:a16="http://schemas.microsoft.com/office/drawing/2014/main" id="{AA59910A-5EA8-443D-9A85-439FBA5F4062}"/>
+              </a:ext>
+            </a:extLst>
+          </p:cNvPr>
+          <p:cNvSpPr txBox="1"/>
+          <p:nvPr/>
+        </p:nvSpPr>
+        <p:spPr>
+          <a:xfrm>
+            <a:off x="7478127" y="1262816"/>
+            <a:ext cx="2326278" cy="369332"/>
+          </a:xfrm>
+          <a:prstGeom prst="rect">
+            <a:avLst/>
+          </a:prstGeom>
+          <a:noFill/>
+        </p:spPr>
+        <p:txBody>
+          <a:bodyPr wrap="none" rtlCol="0">
+            <a:spAutoFit/>
+          </a:bodyPr>
+          <a:lstStyle/>
+          <a:p>
+            <a:r>
+              <a:rPr lang="en-US" altLang="zh-CN" dirty="0"/>
+              <a:t>10*7 /</a:t>
+            </a:r>
+            <a:r>
+              <a:rPr lang="zh-CN" altLang="en-US" dirty="0"/>
+              <a:t> </a:t>
+            </a:r>
+            <a:r>
+              <a:rPr lang="en-US" altLang="zh-CN" dirty="0"/>
+              <a:t>10</a:t>
+            </a:r>
+            <a:r>
+              <a:rPr lang="zh-CN" altLang="en-US" dirty="0"/>
+              <a:t> </a:t>
+            </a:r>
+            <a:r>
+              <a:rPr lang="en-US" altLang="zh-CN" dirty="0"/>
+              <a:t>-3</a:t>
+            </a:r>
+            <a:r>
+              <a:rPr lang="zh-CN" altLang="en-US" dirty="0"/>
+              <a:t>  </a:t>
+            </a:r>
+            <a:r>
+              <a:rPr lang="en-US" altLang="zh-CN" dirty="0"/>
+              <a:t>+</a:t>
+            </a:r>
+            <a:r>
+              <a:rPr lang="zh-CN" altLang="en-US" dirty="0"/>
+              <a:t> </a:t>
+            </a:r>
+            <a:r>
+              <a:rPr lang="en-US" altLang="zh-CN" dirty="0"/>
+              <a:t>1 = 5 </a:t>
+            </a:r>
+            <a:endParaRPr lang="zh-CN" altLang="en-US" dirty="0"/>
+          </a:p>
+        </p:txBody>
+      </p:sp>
+      <p:sp>
+        <p:nvSpPr>
+          <p:cNvPr id="13" name="矩形 12">
+            <a:extLst>
+              <a:ext uri="{FF2B5EF4-FFF2-40B4-BE49-F238E27FC236}">
+                <a16:creationId xmlns:a16="http://schemas.microsoft.com/office/drawing/2014/main" id="{95CDEA29-B9E7-4C49-BC25-D92D01654A9A}"/>
+              </a:ext>
+            </a:extLst>
+          </p:cNvPr>
+          <p:cNvSpPr/>
+          <p:nvPr/>
+        </p:nvSpPr>
+        <p:spPr>
+          <a:xfrm>
+            <a:off x="6614126" y="2144950"/>
+            <a:ext cx="180000" cy="576000"/>
+          </a:xfrm>
+          <a:prstGeom prst="rect">
+            <a:avLst/>
+          </a:prstGeom>
+        </p:spPr>
+        <p:style>
+          <a:lnRef idx="2">
+            <a:schemeClr val="accent1">
+              <a:shade val="50000"/>
+            </a:schemeClr>
+          </a:lnRef>
+          <a:fillRef idx="1">
+            <a:schemeClr val="accent1"/>
+          </a:fillRef>
+          <a:effectRef idx="0">
+            <a:schemeClr val="accent1"/>
+          </a:effectRef>
+          <a:fontRef idx="minor">
+            <a:schemeClr val="lt1"/>
+          </a:fontRef>
+        </p:style>
+        <p:txBody>
+          <a:bodyPr rtlCol="0" anchor="ctr"/>
+          <a:lstStyle/>
+          <a:p>
+            <a:pPr algn="ctr"/>
+            <a:endParaRPr lang="zh-CN" altLang="en-US"/>
+          </a:p>
+        </p:txBody>
+      </p:sp>
+      <p:sp>
+        <p:nvSpPr>
+          <p:cNvPr id="14" name="文本框 13">
+            <a:extLst>
+              <a:ext uri="{FF2B5EF4-FFF2-40B4-BE49-F238E27FC236}">
+                <a16:creationId xmlns:a16="http://schemas.microsoft.com/office/drawing/2014/main" id="{13267E16-05DC-47C9-AFE2-B069B533BEC8}"/>
+              </a:ext>
+            </a:extLst>
+          </p:cNvPr>
+          <p:cNvSpPr txBox="1"/>
+          <p:nvPr/>
+        </p:nvSpPr>
+        <p:spPr>
+          <a:xfrm>
+            <a:off x="6366341" y="2936431"/>
+            <a:ext cx="1069524" cy="307777"/>
+          </a:xfrm>
+          <a:prstGeom prst="rect">
+            <a:avLst/>
+          </a:prstGeom>
+          <a:noFill/>
+        </p:spPr>
+        <p:txBody>
+          <a:bodyPr wrap="none" rtlCol="0">
+            <a:spAutoFit/>
+          </a:bodyPr>
+          <a:lstStyle/>
+          <a:p>
+            <a:r>
+              <a:rPr lang="en-US" altLang="zh-CN" sz="1400" dirty="0"/>
+              <a:t>2*</a:t>
+            </a:r>
+            <a:r>
+              <a:rPr lang="zh-CN" altLang="en-US" sz="1400" dirty="0"/>
+              <a:t>（</a:t>
+            </a:r>
+            <a:r>
+              <a:rPr lang="en-US" altLang="zh-CN" sz="1400" dirty="0"/>
+              <a:t>16*5</a:t>
+            </a:r>
+            <a:r>
+              <a:rPr lang="zh-CN" altLang="en-US" sz="1400" dirty="0"/>
+              <a:t>）</a:t>
+            </a:r>
+          </a:p>
+        </p:txBody>
+      </p:sp>
+      <p:sp>
+        <p:nvSpPr>
+          <p:cNvPr id="15" name="矩形 14">
+            <a:extLst>
+              <a:ext uri="{FF2B5EF4-FFF2-40B4-BE49-F238E27FC236}">
+                <a16:creationId xmlns:a16="http://schemas.microsoft.com/office/drawing/2014/main" id="{27514E98-D7BA-4019-8749-9436C5AAE7F8}"/>
+              </a:ext>
+            </a:extLst>
+          </p:cNvPr>
+          <p:cNvSpPr/>
+          <p:nvPr/>
+        </p:nvSpPr>
+        <p:spPr>
+          <a:xfrm>
+            <a:off x="6740126" y="2288766"/>
+            <a:ext cx="180000" cy="576000"/>
+          </a:xfrm>
+          <a:prstGeom prst="rect">
+            <a:avLst/>
+          </a:prstGeom>
+        </p:spPr>
+        <p:style>
+          <a:lnRef idx="2">
+            <a:schemeClr val="accent1">
+              <a:shade val="50000"/>
+            </a:schemeClr>
+          </a:lnRef>
+          <a:fillRef idx="1">
+            <a:schemeClr val="accent1"/>
+          </a:fillRef>
+          <a:effectRef idx="0">
+            <a:schemeClr val="accent1"/>
+          </a:effectRef>
+          <a:fontRef idx="minor">
+            <a:schemeClr val="lt1"/>
+          </a:fontRef>
+        </p:style>
+        <p:txBody>
+          <a:bodyPr rtlCol="0" anchor="ctr"/>
+          <a:lstStyle/>
+          <a:p>
+            <a:pPr algn="ctr"/>
+            <a:endParaRPr lang="zh-CN" altLang="en-US"/>
+          </a:p>
+        </p:txBody>
+      </p:sp>
+      <p:sp>
+        <p:nvSpPr>
+          <p:cNvPr id="16" name="文本框 15">
+            <a:extLst>
+              <a:ext uri="{FF2B5EF4-FFF2-40B4-BE49-F238E27FC236}">
+                <a16:creationId xmlns:a16="http://schemas.microsoft.com/office/drawing/2014/main" id="{7EF68F8C-7EB4-466B-A4BF-7AE0BC2D91C2}"/>
+              </a:ext>
+            </a:extLst>
+          </p:cNvPr>
+          <p:cNvSpPr txBox="1"/>
+          <p:nvPr/>
+        </p:nvSpPr>
+        <p:spPr>
+          <a:xfrm>
+            <a:off x="7225735" y="2227557"/>
+            <a:ext cx="3717881" cy="307777"/>
+          </a:xfrm>
+          <a:prstGeom prst="rect">
+            <a:avLst/>
+          </a:prstGeom>
+          <a:noFill/>
+        </p:spPr>
+        <p:txBody>
+          <a:bodyPr wrap="square" rtlCol="0">
+            <a:spAutoFit/>
+          </a:bodyPr>
+          <a:lstStyle>
+            <a:defPPr>
+              <a:defRPr lang="zh-CN"/>
+            </a:defPPr>
+            <a:lvl1pPr>
+              <a:defRPr sz="1400"/>
+            </a:lvl1pPr>
+          </a:lstStyle>
+          <a:p>
+            <a:r>
+              <a:rPr lang="en-US" altLang="zh-CN" dirty="0" err="1"/>
+              <a:t>in_channels</a:t>
+            </a:r>
+            <a:r>
+              <a:rPr lang="en-US" altLang="zh-CN" dirty="0"/>
+              <a:t> =16</a:t>
+            </a:r>
+            <a:r>
+              <a:rPr lang="zh-CN" altLang="en-US" dirty="0"/>
+              <a:t>，</a:t>
+            </a:r>
+            <a:r>
+              <a:rPr lang="en-US" altLang="zh-CN" dirty="0" err="1"/>
+              <a:t>kernal</a:t>
+            </a:r>
+            <a:r>
+              <a:rPr lang="en-US" altLang="zh-CN" dirty="0"/>
+              <a:t>=3</a:t>
+            </a:r>
+            <a:r>
+              <a:rPr lang="zh-CN" altLang="en-US" dirty="0"/>
+              <a:t>，</a:t>
+            </a:r>
+            <a:r>
+              <a:rPr lang="en-US" altLang="zh-CN" dirty="0"/>
+              <a:t>output = 32</a:t>
+            </a:r>
+            <a:endParaRPr lang="zh-CN" altLang="en-US" dirty="0"/>
+          </a:p>
+        </p:txBody>
+      </p:sp>
+      <p:sp>
+        <p:nvSpPr>
+          <p:cNvPr id="17" name="文本框 16">
+            <a:extLst>
+              <a:ext uri="{FF2B5EF4-FFF2-40B4-BE49-F238E27FC236}">
+                <a16:creationId xmlns:a16="http://schemas.microsoft.com/office/drawing/2014/main" id="{CD5774EA-06B3-471F-AF22-91340740CB62}"/>
+              </a:ext>
+            </a:extLst>
+          </p:cNvPr>
+          <p:cNvSpPr txBox="1"/>
+          <p:nvPr/>
+        </p:nvSpPr>
+        <p:spPr>
+          <a:xfrm>
+            <a:off x="7440128" y="2688961"/>
+            <a:ext cx="2326278" cy="369332"/>
+          </a:xfrm>
+          <a:prstGeom prst="rect">
+            <a:avLst/>
+          </a:prstGeom>
+          <a:noFill/>
+        </p:spPr>
+        <p:txBody>
+          <a:bodyPr wrap="none" rtlCol="0">
+            <a:spAutoFit/>
+          </a:bodyPr>
+          <a:lstStyle/>
+          <a:p>
+            <a:r>
+              <a:rPr lang="en-US" altLang="zh-CN" dirty="0"/>
+              <a:t>16*5 /</a:t>
+            </a:r>
+            <a:r>
+              <a:rPr lang="zh-CN" altLang="en-US" dirty="0"/>
+              <a:t> </a:t>
+            </a:r>
+            <a:r>
+              <a:rPr lang="en-US" altLang="zh-CN" dirty="0"/>
+              <a:t>16</a:t>
+            </a:r>
+            <a:r>
+              <a:rPr lang="zh-CN" altLang="en-US" dirty="0"/>
+              <a:t> </a:t>
+            </a:r>
+            <a:r>
+              <a:rPr lang="en-US" altLang="zh-CN" dirty="0"/>
+              <a:t>-3</a:t>
+            </a:r>
+            <a:r>
+              <a:rPr lang="zh-CN" altLang="en-US" dirty="0"/>
+              <a:t>  </a:t>
+            </a:r>
+            <a:r>
+              <a:rPr lang="en-US" altLang="zh-CN" dirty="0"/>
+              <a:t>+</a:t>
+            </a:r>
+            <a:r>
+              <a:rPr lang="zh-CN" altLang="en-US" dirty="0"/>
+              <a:t> </a:t>
+            </a:r>
+            <a:r>
+              <a:rPr lang="en-US" altLang="zh-CN" dirty="0"/>
+              <a:t>1 = 3 </a:t>
+            </a:r>
+            <a:endParaRPr lang="zh-CN" altLang="en-US" dirty="0"/>
+          </a:p>
+        </p:txBody>
+      </p:sp>
+      <p:sp>
+        <p:nvSpPr>
+          <p:cNvPr id="18" name="矩形 17">
+            <a:extLst>
+              <a:ext uri="{FF2B5EF4-FFF2-40B4-BE49-F238E27FC236}">
+                <a16:creationId xmlns:a16="http://schemas.microsoft.com/office/drawing/2014/main" id="{B2E56C2F-84DA-4220-942F-1B99ACDE8060}"/>
+              </a:ext>
+            </a:extLst>
+          </p:cNvPr>
+          <p:cNvSpPr/>
+          <p:nvPr/>
+        </p:nvSpPr>
+        <p:spPr>
+          <a:xfrm>
+            <a:off x="6621347" y="3470459"/>
+            <a:ext cx="108000" cy="1152000"/>
+          </a:xfrm>
+          <a:prstGeom prst="rect">
+            <a:avLst/>
+          </a:prstGeom>
+        </p:spPr>
+        <p:style>
+          <a:lnRef idx="2">
+            <a:schemeClr val="accent1">
+              <a:shade val="50000"/>
+            </a:schemeClr>
+          </a:lnRef>
+          <a:fillRef idx="1">
+            <a:schemeClr val="accent1"/>
+          </a:fillRef>
+          <a:effectRef idx="0">
+            <a:schemeClr val="accent1"/>
+          </a:effectRef>
+          <a:fontRef idx="minor">
+            <a:schemeClr val="lt1"/>
+          </a:fontRef>
+        </p:style>
+        <p:txBody>
+          <a:bodyPr rtlCol="0" anchor="ctr"/>
+          <a:lstStyle/>
+          <a:p>
+            <a:pPr algn="ctr"/>
+            <a:endParaRPr lang="zh-CN" altLang="en-US"/>
+          </a:p>
+        </p:txBody>
+      </p:sp>
+      <p:sp>
+        <p:nvSpPr>
+          <p:cNvPr id="19" name="文本框 18">
+            <a:extLst>
+              <a:ext uri="{FF2B5EF4-FFF2-40B4-BE49-F238E27FC236}">
+                <a16:creationId xmlns:a16="http://schemas.microsoft.com/office/drawing/2014/main" id="{E5D4B97B-0A0F-4A18-A8DE-D7564FC02728}"/>
+              </a:ext>
+            </a:extLst>
+          </p:cNvPr>
+          <p:cNvSpPr txBox="1"/>
+          <p:nvPr/>
+        </p:nvSpPr>
+        <p:spPr>
+          <a:xfrm>
+            <a:off x="6368110" y="4886075"/>
+            <a:ext cx="1069524" cy="307777"/>
+          </a:xfrm>
+          <a:prstGeom prst="rect">
+            <a:avLst/>
+          </a:prstGeom>
+          <a:noFill/>
+        </p:spPr>
+        <p:txBody>
+          <a:bodyPr wrap="none" rtlCol="0">
+            <a:spAutoFit/>
+          </a:bodyPr>
+          <a:lstStyle/>
+          <a:p>
+            <a:r>
+              <a:rPr lang="en-US" altLang="zh-CN" sz="1400" dirty="0"/>
+              <a:t>2*</a:t>
+            </a:r>
+            <a:r>
+              <a:rPr lang="zh-CN" altLang="en-US" sz="1400" dirty="0"/>
+              <a:t>（</a:t>
+            </a:r>
+            <a:r>
+              <a:rPr lang="en-US" altLang="zh-CN" sz="1400" dirty="0"/>
+              <a:t>32*3</a:t>
+            </a:r>
+            <a:r>
+              <a:rPr lang="zh-CN" altLang="en-US" sz="1400" dirty="0"/>
+              <a:t>）</a:t>
+            </a:r>
+          </a:p>
+        </p:txBody>
+      </p:sp>
+      <p:sp>
+        <p:nvSpPr>
+          <p:cNvPr id="20" name="矩形 19">
+            <a:extLst>
+              <a:ext uri="{FF2B5EF4-FFF2-40B4-BE49-F238E27FC236}">
+                <a16:creationId xmlns:a16="http://schemas.microsoft.com/office/drawing/2014/main" id="{BF1522D0-8EE4-49D2-AB88-6B90CBE2616B}"/>
+              </a:ext>
+            </a:extLst>
+          </p:cNvPr>
+          <p:cNvSpPr/>
+          <p:nvPr/>
+        </p:nvSpPr>
+        <p:spPr>
+          <a:xfrm>
+            <a:off x="6747347" y="3614275"/>
+            <a:ext cx="108000" cy="1152000"/>
+          </a:xfrm>
+          <a:prstGeom prst="rect">
+            <a:avLst/>
+          </a:prstGeom>
+        </p:spPr>
+        <p:style>
+          <a:lnRef idx="2">
+            <a:schemeClr val="accent1">
+              <a:shade val="50000"/>
+            </a:schemeClr>
+          </a:lnRef>
+          <a:fillRef idx="1">
+            <a:schemeClr val="accent1"/>
+          </a:fillRef>
+          <a:effectRef idx="0">
+            <a:schemeClr val="accent1"/>
+          </a:effectRef>
+          <a:fontRef idx="minor">
+            <a:schemeClr val="lt1"/>
+          </a:fontRef>
+        </p:style>
+        <p:txBody>
+          <a:bodyPr rtlCol="0" anchor="ctr"/>
+          <a:lstStyle/>
+          <a:p>
+            <a:pPr algn="ctr"/>
+            <a:endParaRPr lang="zh-CN" altLang="en-US"/>
+          </a:p>
+        </p:txBody>
+      </p:sp>
+      <p:sp>
+        <p:nvSpPr>
+          <p:cNvPr id="21" name="文本框 20">
+            <a:extLst>
+              <a:ext uri="{FF2B5EF4-FFF2-40B4-BE49-F238E27FC236}">
+                <a16:creationId xmlns:a16="http://schemas.microsoft.com/office/drawing/2014/main" id="{2DE6C39C-CCB5-4710-A722-62A30E2F23E4}"/>
+              </a:ext>
+            </a:extLst>
+          </p:cNvPr>
+          <p:cNvSpPr txBox="1"/>
+          <p:nvPr/>
+        </p:nvSpPr>
+        <p:spPr>
+          <a:xfrm>
+            <a:off x="7244116" y="3733159"/>
+            <a:ext cx="3717881" cy="307777"/>
+          </a:xfrm>
+          <a:prstGeom prst="rect">
+            <a:avLst/>
+          </a:prstGeom>
+          <a:noFill/>
+        </p:spPr>
+        <p:txBody>
+          <a:bodyPr wrap="square" rtlCol="0">
+            <a:spAutoFit/>
+          </a:bodyPr>
+          <a:lstStyle>
+            <a:defPPr>
+              <a:defRPr lang="zh-CN"/>
+            </a:defPPr>
+            <a:lvl1pPr>
+              <a:defRPr sz="1400"/>
+            </a:lvl1pPr>
+          </a:lstStyle>
+          <a:p>
+            <a:r>
+              <a:rPr lang="en-US" altLang="zh-CN" dirty="0" err="1"/>
+              <a:t>in_channels</a:t>
+            </a:r>
+            <a:r>
+              <a:rPr lang="en-US" altLang="zh-CN" dirty="0"/>
+              <a:t> =32</a:t>
+            </a:r>
+            <a:r>
+              <a:rPr lang="zh-CN" altLang="en-US" dirty="0"/>
+              <a:t>，</a:t>
+            </a:r>
+            <a:r>
+              <a:rPr lang="en-US" altLang="zh-CN" dirty="0" err="1"/>
+              <a:t>kernal</a:t>
+            </a:r>
+            <a:r>
+              <a:rPr lang="en-US" altLang="zh-CN" dirty="0"/>
+              <a:t>=3</a:t>
+            </a:r>
+            <a:r>
+              <a:rPr lang="zh-CN" altLang="en-US" dirty="0"/>
+              <a:t>，</a:t>
+            </a:r>
+            <a:r>
+              <a:rPr lang="en-US" altLang="zh-CN" dirty="0"/>
+              <a:t>output = 64</a:t>
+            </a:r>
+            <a:endParaRPr lang="zh-CN" altLang="en-US" dirty="0"/>
+          </a:p>
+        </p:txBody>
+      </p:sp>
+      <p:sp>
+        <p:nvSpPr>
+          <p:cNvPr id="22" name="文本框 21">
+            <a:extLst>
+              <a:ext uri="{FF2B5EF4-FFF2-40B4-BE49-F238E27FC236}">
+                <a16:creationId xmlns:a16="http://schemas.microsoft.com/office/drawing/2014/main" id="{D6158735-5EC7-40C1-9758-525A02D29823}"/>
+              </a:ext>
+            </a:extLst>
+          </p:cNvPr>
+          <p:cNvSpPr txBox="1"/>
+          <p:nvPr/>
+        </p:nvSpPr>
+        <p:spPr>
+          <a:xfrm>
+            <a:off x="7398227" y="4237134"/>
+            <a:ext cx="2326278" cy="369332"/>
+          </a:xfrm>
+          <a:prstGeom prst="rect">
+            <a:avLst/>
+          </a:prstGeom>
+          <a:noFill/>
+        </p:spPr>
+        <p:txBody>
+          <a:bodyPr wrap="none" rtlCol="0">
+            <a:spAutoFit/>
+          </a:bodyPr>
+          <a:lstStyle/>
+          <a:p>
+            <a:r>
+              <a:rPr lang="en-US" altLang="zh-CN" dirty="0"/>
+              <a:t>32*3 /</a:t>
+            </a:r>
+            <a:r>
+              <a:rPr lang="zh-CN" altLang="en-US" dirty="0"/>
+              <a:t> </a:t>
+            </a:r>
+            <a:r>
+              <a:rPr lang="en-US" altLang="zh-CN" dirty="0"/>
+              <a:t>32</a:t>
+            </a:r>
+            <a:r>
+              <a:rPr lang="zh-CN" altLang="en-US" dirty="0"/>
+              <a:t> </a:t>
+            </a:r>
+            <a:r>
+              <a:rPr lang="en-US" altLang="zh-CN" dirty="0"/>
+              <a:t>-3</a:t>
+            </a:r>
+            <a:r>
+              <a:rPr lang="zh-CN" altLang="en-US" dirty="0"/>
+              <a:t>  </a:t>
+            </a:r>
+            <a:r>
+              <a:rPr lang="en-US" altLang="zh-CN" dirty="0"/>
+              <a:t>+</a:t>
+            </a:r>
+            <a:r>
+              <a:rPr lang="zh-CN" altLang="en-US" dirty="0"/>
+              <a:t> </a:t>
+            </a:r>
+            <a:r>
+              <a:rPr lang="en-US" altLang="zh-CN" dirty="0"/>
+              <a:t>1 = 1 </a:t>
+            </a:r>
+            <a:endParaRPr lang="zh-CN" altLang="en-US" dirty="0"/>
+          </a:p>
+        </p:txBody>
+      </p:sp>
+      <p:sp>
+        <p:nvSpPr>
+          <p:cNvPr id="23" name="矩形 22">
+            <a:extLst>
+              <a:ext uri="{FF2B5EF4-FFF2-40B4-BE49-F238E27FC236}">
+                <a16:creationId xmlns:a16="http://schemas.microsoft.com/office/drawing/2014/main" id="{A5DB1CE0-4570-4CC2-9623-3F36B05421FE}"/>
+              </a:ext>
+            </a:extLst>
+          </p:cNvPr>
+          <p:cNvSpPr/>
+          <p:nvPr/>
+        </p:nvSpPr>
+        <p:spPr>
+          <a:xfrm>
+            <a:off x="5809952" y="3734075"/>
+            <a:ext cx="36000" cy="2304000"/>
+          </a:xfrm>
+          <a:prstGeom prst="rect">
+            <a:avLst/>
+          </a:prstGeom>
+        </p:spPr>
+        <p:style>
+          <a:lnRef idx="2">
+            <a:schemeClr val="accent1">
+              <a:shade val="50000"/>
+            </a:schemeClr>
+          </a:lnRef>
+          <a:fillRef idx="1">
+            <a:schemeClr val="accent1"/>
+          </a:fillRef>
+          <a:effectRef idx="0">
+            <a:schemeClr val="accent1"/>
+          </a:effectRef>
+          <a:fontRef idx="minor">
+            <a:schemeClr val="lt1"/>
+          </a:fontRef>
+        </p:style>
+        <p:txBody>
+          <a:bodyPr rtlCol="0" anchor="ctr"/>
+          <a:lstStyle/>
+          <a:p>
+            <a:pPr algn="ctr"/>
+            <a:endParaRPr lang="zh-CN" altLang="en-US"/>
+          </a:p>
+        </p:txBody>
+      </p:sp>
+      <p:sp>
+        <p:nvSpPr>
+          <p:cNvPr id="24" name="矩形 23">
+            <a:extLst>
+              <a:ext uri="{FF2B5EF4-FFF2-40B4-BE49-F238E27FC236}">
+                <a16:creationId xmlns:a16="http://schemas.microsoft.com/office/drawing/2014/main" id="{B12904FC-EB06-4DDD-9027-3F70D2C8253D}"/>
+              </a:ext>
+            </a:extLst>
+          </p:cNvPr>
+          <p:cNvSpPr/>
+          <p:nvPr/>
+        </p:nvSpPr>
+        <p:spPr>
+          <a:xfrm>
+            <a:off x="5894098" y="3887964"/>
+            <a:ext cx="36000" cy="2304000"/>
+          </a:xfrm>
+          <a:prstGeom prst="rect">
+            <a:avLst/>
+          </a:prstGeom>
+        </p:spPr>
+        <p:style>
+          <a:lnRef idx="2">
+            <a:schemeClr val="accent1">
+              <a:shade val="50000"/>
+            </a:schemeClr>
+          </a:lnRef>
+          <a:fillRef idx="1">
+            <a:schemeClr val="accent1"/>
+          </a:fillRef>
+          <a:effectRef idx="0">
+            <a:schemeClr val="accent1"/>
+          </a:effectRef>
+          <a:fontRef idx="minor">
+            <a:schemeClr val="lt1"/>
+          </a:fontRef>
+        </p:style>
+        <p:txBody>
+          <a:bodyPr rtlCol="0" anchor="ctr"/>
+          <a:lstStyle/>
+          <a:p>
+            <a:pPr algn="ctr"/>
+            <a:endParaRPr lang="zh-CN" altLang="en-US"/>
+          </a:p>
+        </p:txBody>
+      </p:sp>
+      <p:sp>
+        <p:nvSpPr>
+          <p:cNvPr id="25" name="文本框 24">
+            <a:extLst>
+              <a:ext uri="{FF2B5EF4-FFF2-40B4-BE49-F238E27FC236}">
+                <a16:creationId xmlns:a16="http://schemas.microsoft.com/office/drawing/2014/main" id="{BB68653B-58B0-4D59-B8EE-3FB605BDC63C}"/>
+              </a:ext>
+            </a:extLst>
+          </p:cNvPr>
+          <p:cNvSpPr txBox="1"/>
+          <p:nvPr/>
+        </p:nvSpPr>
+        <p:spPr>
+          <a:xfrm>
+            <a:off x="4457941" y="6294144"/>
+            <a:ext cx="1069524" cy="307777"/>
+          </a:xfrm>
+          <a:prstGeom prst="rect">
+            <a:avLst/>
+          </a:prstGeom>
+          <a:noFill/>
+        </p:spPr>
+        <p:txBody>
+          <a:bodyPr wrap="none" rtlCol="0">
+            <a:spAutoFit/>
+          </a:bodyPr>
+          <a:lstStyle/>
+          <a:p>
+            <a:r>
+              <a:rPr lang="en-US" altLang="zh-CN" sz="1400" dirty="0"/>
+              <a:t>2*</a:t>
+            </a:r>
+            <a:r>
+              <a:rPr lang="zh-CN" altLang="en-US" sz="1400" dirty="0"/>
+              <a:t>（</a:t>
+            </a:r>
+            <a:r>
+              <a:rPr lang="en-US" altLang="zh-CN" sz="1400" dirty="0"/>
+              <a:t>64*1</a:t>
+            </a:r>
+            <a:r>
+              <a:rPr lang="zh-CN" altLang="en-US" sz="1400" dirty="0"/>
+              <a:t>）</a:t>
+            </a:r>
+          </a:p>
+        </p:txBody>
+      </p:sp>
+      <p:sp>
+        <p:nvSpPr>
+          <p:cNvPr id="27" name="文本框 26">
+            <a:extLst>
+              <a:ext uri="{FF2B5EF4-FFF2-40B4-BE49-F238E27FC236}">
+                <a16:creationId xmlns:a16="http://schemas.microsoft.com/office/drawing/2014/main" id="{5AF9E284-DF8C-4C61-97F3-72101877FA6B}"/>
+              </a:ext>
+            </a:extLst>
+          </p:cNvPr>
+          <p:cNvSpPr txBox="1"/>
+          <p:nvPr/>
+        </p:nvSpPr>
+        <p:spPr>
+          <a:xfrm>
+            <a:off x="4927315" y="4857927"/>
+            <a:ext cx="889249" cy="307777"/>
+          </a:xfrm>
+          <a:prstGeom prst="rect">
+            <a:avLst/>
+          </a:prstGeom>
+          <a:noFill/>
+        </p:spPr>
+        <p:txBody>
+          <a:bodyPr wrap="square" rtlCol="0">
+            <a:spAutoFit/>
+          </a:bodyPr>
+          <a:lstStyle>
+            <a:defPPr>
+              <a:defRPr lang="zh-CN"/>
+            </a:defPPr>
+            <a:lvl1pPr>
+              <a:defRPr sz="1400"/>
+            </a:lvl1pPr>
+          </a:lstStyle>
+          <a:p>
+            <a:r>
+              <a:rPr lang="en-US" altLang="zh-CN" dirty="0"/>
+              <a:t>squeeze</a:t>
+            </a:r>
+            <a:endParaRPr lang="zh-CN" altLang="en-US" dirty="0"/>
+          </a:p>
+        </p:txBody>
+      </p:sp>
+      <p:sp>
+        <p:nvSpPr>
+          <p:cNvPr id="28" name="矩形 27">
+            <a:extLst>
+              <a:ext uri="{FF2B5EF4-FFF2-40B4-BE49-F238E27FC236}">
+                <a16:creationId xmlns:a16="http://schemas.microsoft.com/office/drawing/2014/main" id="{1F5E251E-9337-421C-9E92-AABEC71A55F5}"/>
+              </a:ext>
+            </a:extLst>
+          </p:cNvPr>
+          <p:cNvSpPr/>
+          <p:nvPr/>
+        </p:nvSpPr>
+        <p:spPr>
+          <a:xfrm>
+            <a:off x="4872557" y="3734075"/>
+            <a:ext cx="36000" cy="2304000"/>
+          </a:xfrm>
+          <a:prstGeom prst="rect">
+            <a:avLst/>
+          </a:prstGeom>
+        </p:spPr>
+        <p:style>
+          <a:lnRef idx="2">
+            <a:schemeClr val="accent1">
+              <a:shade val="50000"/>
+            </a:schemeClr>
+          </a:lnRef>
+          <a:fillRef idx="1">
+            <a:schemeClr val="accent1"/>
+          </a:fillRef>
+          <a:effectRef idx="0">
+            <a:schemeClr val="accent1"/>
+          </a:effectRef>
+          <a:fontRef idx="minor">
+            <a:schemeClr val="lt1"/>
+          </a:fontRef>
+        </p:style>
+        <p:txBody>
+          <a:bodyPr rtlCol="0" anchor="ctr"/>
+          <a:lstStyle/>
+          <a:p>
+            <a:pPr algn="ctr"/>
+            <a:endParaRPr lang="zh-CN" altLang="en-US"/>
+          </a:p>
+        </p:txBody>
+      </p:sp>
+      <p:sp>
+        <p:nvSpPr>
+          <p:cNvPr id="29" name="矩形 28">
+            <a:extLst>
+              <a:ext uri="{FF2B5EF4-FFF2-40B4-BE49-F238E27FC236}">
+                <a16:creationId xmlns:a16="http://schemas.microsoft.com/office/drawing/2014/main" id="{1FB61479-E9B6-478B-9644-03E2AE40764F}"/>
+              </a:ext>
+            </a:extLst>
+          </p:cNvPr>
+          <p:cNvSpPr/>
+          <p:nvPr/>
+        </p:nvSpPr>
+        <p:spPr>
+          <a:xfrm>
+            <a:off x="4956703" y="3887964"/>
+            <a:ext cx="36000" cy="2304000"/>
+          </a:xfrm>
+          <a:prstGeom prst="rect">
+            <a:avLst/>
+          </a:prstGeom>
+        </p:spPr>
+        <p:style>
+          <a:lnRef idx="2">
+            <a:schemeClr val="accent1">
+              <a:shade val="50000"/>
+            </a:schemeClr>
+          </a:lnRef>
+          <a:fillRef idx="1">
+            <a:schemeClr val="accent1"/>
+          </a:fillRef>
+          <a:effectRef idx="0">
+            <a:schemeClr val="accent1"/>
+          </a:effectRef>
+          <a:fontRef idx="minor">
+            <a:schemeClr val="lt1"/>
+          </a:fontRef>
+        </p:style>
+        <p:txBody>
+          <a:bodyPr rtlCol="0" anchor="ctr"/>
+          <a:lstStyle/>
+          <a:p>
+            <a:pPr algn="ctr"/>
+            <a:endParaRPr lang="zh-CN" altLang="en-US"/>
+          </a:p>
+        </p:txBody>
+      </p:sp>
+      <p:sp>
+        <p:nvSpPr>
+          <p:cNvPr id="30" name="文本框 29">
+            <a:extLst>
+              <a:ext uri="{FF2B5EF4-FFF2-40B4-BE49-F238E27FC236}">
+                <a16:creationId xmlns:a16="http://schemas.microsoft.com/office/drawing/2014/main" id="{9768E090-1F4E-4B27-A835-1F54192A4526}"/>
+              </a:ext>
+            </a:extLst>
+          </p:cNvPr>
+          <p:cNvSpPr txBox="1"/>
+          <p:nvPr/>
+        </p:nvSpPr>
+        <p:spPr>
+          <a:xfrm>
+            <a:off x="5527465" y="6274044"/>
+            <a:ext cx="901209" cy="307777"/>
+          </a:xfrm>
+          <a:prstGeom prst="rect">
+            <a:avLst/>
+          </a:prstGeom>
+          <a:noFill/>
+        </p:spPr>
+        <p:txBody>
+          <a:bodyPr wrap="none" rtlCol="0">
+            <a:spAutoFit/>
+          </a:bodyPr>
+          <a:lstStyle/>
+          <a:p>
+            <a:r>
+              <a:rPr lang="en-US" altLang="zh-CN" sz="1400" dirty="0"/>
+              <a:t>2*</a:t>
+            </a:r>
+            <a:r>
+              <a:rPr lang="zh-CN" altLang="en-US" sz="1400" dirty="0"/>
+              <a:t>（</a:t>
+            </a:r>
+            <a:r>
+              <a:rPr lang="en-US" altLang="zh-CN" sz="1400" dirty="0"/>
+              <a:t>64</a:t>
+            </a:r>
+            <a:r>
+              <a:rPr lang="zh-CN" altLang="en-US" sz="1400" dirty="0"/>
+              <a:t>）</a:t>
+            </a:r>
           </a:p>
         </p:txBody>
       </p:sp>
     </p:spTree>
     <p:extLst>
       <p:ext uri="{BB962C8B-B14F-4D97-AF65-F5344CB8AC3E}">
-        <p14:creationId xmlns:p14="http://schemas.microsoft.com/office/powerpoint/2010/main" val="3524620621"/>
+        <p14:creationId xmlns:p14="http://schemas.microsoft.com/office/powerpoint/2010/main" val="3151861097"/>
+      </p:ext>
+    </p:extLst>
+  </p:cSld>
+  <p:clrMapOvr>
+    <a:masterClrMapping/>
+  </p:clrMapOvr>
+</p:sld>
+</file>
+
+<file path=ppt/slides/slide3.xml><?xml version="1.0" encoding="utf-8"?>
+<p:sld xmlns:a="http://schemas.openxmlformats.org/drawingml/2006/main" xmlns:r="http://schemas.openxmlformats.org/officeDocument/2006/relationships" xmlns:p="http://schemas.openxmlformats.org/presentationml/2006/main">
+  <p:cSld>
+    <p:spTree>
+      <p:nvGrpSpPr>
+        <p:cNvPr id="1" name=""/>
+        <p:cNvGrpSpPr/>
+        <p:nvPr/>
+      </p:nvGrpSpPr>
+      <p:grpSpPr>
+        <a:xfrm>
+          <a:off x="0" y="0"/>
+          <a:ext cx="0" cy="0"/>
+          <a:chOff x="0" y="0"/>
+          <a:chExt cx="0" cy="0"/>
+        </a:xfrm>
+      </p:grpSpPr>
+      <p:sp>
+        <p:nvSpPr>
+          <p:cNvPr id="11" name="文本框 10">
+            <a:extLst>
+              <a:ext uri="{FF2B5EF4-FFF2-40B4-BE49-F238E27FC236}">
+                <a16:creationId xmlns:a16="http://schemas.microsoft.com/office/drawing/2014/main" id="{D256BB63-6E12-4D72-959B-DAF448F08636}"/>
+              </a:ext>
+            </a:extLst>
+          </p:cNvPr>
+          <p:cNvSpPr txBox="1"/>
+          <p:nvPr/>
+        </p:nvSpPr>
+        <p:spPr>
+          <a:xfrm>
+            <a:off x="5821142" y="739595"/>
+            <a:ext cx="3717881" cy="307777"/>
+          </a:xfrm>
+          <a:prstGeom prst="rect">
+            <a:avLst/>
+          </a:prstGeom>
+          <a:noFill/>
+        </p:spPr>
+        <p:txBody>
+          <a:bodyPr wrap="square" rtlCol="0">
+            <a:spAutoFit/>
+          </a:bodyPr>
+          <a:lstStyle>
+            <a:defPPr>
+              <a:defRPr lang="zh-CN"/>
+            </a:defPPr>
+            <a:lvl1pPr>
+              <a:defRPr sz="1400"/>
+            </a:lvl1pPr>
+          </a:lstStyle>
+          <a:p>
+            <a:r>
+              <a:rPr lang="en-US" altLang="zh-CN" dirty="0" err="1"/>
+              <a:t>in_channels</a:t>
+            </a:r>
+            <a:r>
+              <a:rPr lang="en-US" altLang="zh-CN" dirty="0"/>
+              <a:t> =77</a:t>
+            </a:r>
+            <a:r>
+              <a:rPr lang="zh-CN" altLang="en-US" dirty="0"/>
+              <a:t>，</a:t>
+            </a:r>
+            <a:r>
+              <a:rPr lang="en-US" altLang="zh-CN" dirty="0" err="1"/>
+              <a:t>kernal</a:t>
+            </a:r>
+            <a:r>
+              <a:rPr lang="en-US" altLang="zh-CN" dirty="0"/>
+              <a:t>=3</a:t>
+            </a:r>
+            <a:r>
+              <a:rPr lang="zh-CN" altLang="en-US" dirty="0"/>
+              <a:t>，</a:t>
+            </a:r>
+            <a:r>
+              <a:rPr lang="en-US" altLang="zh-CN" dirty="0"/>
+              <a:t>output = 256</a:t>
+            </a:r>
+            <a:endParaRPr lang="zh-CN" altLang="en-US" dirty="0"/>
+          </a:p>
+        </p:txBody>
+      </p:sp>
+      <p:sp>
+        <p:nvSpPr>
+          <p:cNvPr id="12" name="文本框 11">
+            <a:extLst>
+              <a:ext uri="{FF2B5EF4-FFF2-40B4-BE49-F238E27FC236}">
+                <a16:creationId xmlns:a16="http://schemas.microsoft.com/office/drawing/2014/main" id="{AA59910A-5EA8-443D-9A85-439FBA5F4062}"/>
+              </a:ext>
+            </a:extLst>
+          </p:cNvPr>
+          <p:cNvSpPr txBox="1"/>
+          <p:nvPr/>
+        </p:nvSpPr>
+        <p:spPr>
+          <a:xfrm>
+            <a:off x="5831517" y="1109485"/>
+            <a:ext cx="1651414" cy="369332"/>
+          </a:xfrm>
+          <a:prstGeom prst="rect">
+            <a:avLst/>
+          </a:prstGeom>
+          <a:noFill/>
+        </p:spPr>
+        <p:txBody>
+          <a:bodyPr wrap="none" rtlCol="0">
+            <a:spAutoFit/>
+          </a:bodyPr>
+          <a:lstStyle/>
+          <a:p>
+            <a:r>
+              <a:rPr lang="en-US" altLang="zh-CN" dirty="0"/>
+              <a:t>17-3</a:t>
+            </a:r>
+            <a:r>
+              <a:rPr lang="zh-CN" altLang="en-US" dirty="0"/>
+              <a:t> </a:t>
+            </a:r>
+            <a:r>
+              <a:rPr lang="en-US" altLang="zh-CN" dirty="0"/>
+              <a:t>+</a:t>
+            </a:r>
+            <a:r>
+              <a:rPr lang="zh-CN" altLang="en-US" dirty="0"/>
+              <a:t> </a:t>
+            </a:r>
+            <a:r>
+              <a:rPr lang="en-US" altLang="zh-CN" dirty="0"/>
+              <a:t>1 = 15 </a:t>
+            </a:r>
+            <a:endParaRPr lang="zh-CN" altLang="en-US" dirty="0"/>
+          </a:p>
+        </p:txBody>
+      </p:sp>
+      <p:sp>
+        <p:nvSpPr>
+          <p:cNvPr id="16" name="文本框 15">
+            <a:extLst>
+              <a:ext uri="{FF2B5EF4-FFF2-40B4-BE49-F238E27FC236}">
+                <a16:creationId xmlns:a16="http://schemas.microsoft.com/office/drawing/2014/main" id="{7EF68F8C-7EB4-466B-A4BF-7AE0BC2D91C2}"/>
+              </a:ext>
+            </a:extLst>
+          </p:cNvPr>
+          <p:cNvSpPr txBox="1"/>
+          <p:nvPr/>
+        </p:nvSpPr>
+        <p:spPr>
+          <a:xfrm>
+            <a:off x="5831517" y="1774601"/>
+            <a:ext cx="4784013" cy="307777"/>
+          </a:xfrm>
+          <a:prstGeom prst="rect">
+            <a:avLst/>
+          </a:prstGeom>
+          <a:noFill/>
+        </p:spPr>
+        <p:txBody>
+          <a:bodyPr wrap="square" rtlCol="0">
+            <a:spAutoFit/>
+          </a:bodyPr>
+          <a:lstStyle>
+            <a:defPPr>
+              <a:defRPr lang="zh-CN"/>
+            </a:defPPr>
+            <a:lvl1pPr>
+              <a:defRPr sz="1400"/>
+            </a:lvl1pPr>
+          </a:lstStyle>
+          <a:p>
+            <a:r>
+              <a:rPr lang="en-US" altLang="zh-CN" dirty="0" err="1"/>
+              <a:t>in_channels</a:t>
+            </a:r>
+            <a:r>
+              <a:rPr lang="en-US" altLang="zh-CN" dirty="0"/>
+              <a:t> =256</a:t>
+            </a:r>
+            <a:r>
+              <a:rPr lang="zh-CN" altLang="en-US" dirty="0"/>
+              <a:t>，</a:t>
+            </a:r>
+            <a:r>
+              <a:rPr lang="en-US" altLang="zh-CN" dirty="0" err="1"/>
+              <a:t>kernal</a:t>
+            </a:r>
+            <a:r>
+              <a:rPr lang="en-US" altLang="zh-CN" dirty="0"/>
+              <a:t>=3</a:t>
+            </a:r>
+            <a:r>
+              <a:rPr lang="zh-CN" altLang="en-US" dirty="0"/>
+              <a:t>，</a:t>
+            </a:r>
+            <a:r>
+              <a:rPr lang="en-US" altLang="zh-CN" dirty="0"/>
+              <a:t>output = 256, STRIDE=2 </a:t>
+            </a:r>
+            <a:endParaRPr lang="zh-CN" altLang="en-US" dirty="0"/>
+          </a:p>
+        </p:txBody>
+      </p:sp>
+      <p:sp>
+        <p:nvSpPr>
+          <p:cNvPr id="17" name="文本框 16">
+            <a:extLst>
+              <a:ext uri="{FF2B5EF4-FFF2-40B4-BE49-F238E27FC236}">
+                <a16:creationId xmlns:a16="http://schemas.microsoft.com/office/drawing/2014/main" id="{CD5774EA-06B3-471F-AF22-91340740CB62}"/>
+              </a:ext>
+            </a:extLst>
+          </p:cNvPr>
+          <p:cNvSpPr txBox="1"/>
+          <p:nvPr/>
+        </p:nvSpPr>
+        <p:spPr>
+          <a:xfrm>
+            <a:off x="5831517" y="2177321"/>
+            <a:ext cx="3047629" cy="369332"/>
+          </a:xfrm>
+          <a:prstGeom prst="rect">
+            <a:avLst/>
+          </a:prstGeom>
+          <a:noFill/>
+        </p:spPr>
+        <p:txBody>
+          <a:bodyPr wrap="none" rtlCol="0">
+            <a:spAutoFit/>
+          </a:bodyPr>
+          <a:lstStyle/>
+          <a:p>
+            <a:r>
+              <a:rPr lang="en-US" altLang="zh-CN" dirty="0"/>
+              <a:t>256*(n-2) /</a:t>
+            </a:r>
+            <a:r>
+              <a:rPr lang="zh-CN" altLang="en-US" dirty="0"/>
+              <a:t> </a:t>
+            </a:r>
+            <a:r>
+              <a:rPr lang="en-US" altLang="zh-CN" dirty="0"/>
+              <a:t>256</a:t>
+            </a:r>
+            <a:r>
+              <a:rPr lang="zh-CN" altLang="en-US" dirty="0"/>
+              <a:t> </a:t>
+            </a:r>
+            <a:r>
+              <a:rPr lang="en-US" altLang="zh-CN" dirty="0"/>
+              <a:t>-3</a:t>
+            </a:r>
+            <a:r>
+              <a:rPr lang="zh-CN" altLang="en-US" dirty="0"/>
+              <a:t>  </a:t>
+            </a:r>
+            <a:r>
+              <a:rPr lang="en-US" altLang="zh-CN" dirty="0"/>
+              <a:t>+</a:t>
+            </a:r>
+            <a:r>
+              <a:rPr lang="zh-CN" altLang="en-US" dirty="0"/>
+              <a:t> </a:t>
+            </a:r>
+            <a:r>
+              <a:rPr lang="en-US" altLang="zh-CN" dirty="0"/>
+              <a:t>1 = 7 ?</a:t>
+            </a:r>
+            <a:endParaRPr lang="zh-CN" altLang="en-US" dirty="0"/>
+          </a:p>
+        </p:txBody>
+      </p:sp>
+      <p:sp>
+        <p:nvSpPr>
+          <p:cNvPr id="18" name="矩形 17">
+            <a:extLst>
+              <a:ext uri="{FF2B5EF4-FFF2-40B4-BE49-F238E27FC236}">
+                <a16:creationId xmlns:a16="http://schemas.microsoft.com/office/drawing/2014/main" id="{B2E56C2F-84DA-4220-942F-1B99ACDE8060}"/>
+              </a:ext>
+            </a:extLst>
+          </p:cNvPr>
+          <p:cNvSpPr/>
+          <p:nvPr/>
+        </p:nvSpPr>
+        <p:spPr>
+          <a:xfrm>
+            <a:off x="5216753" y="3574324"/>
+            <a:ext cx="108000" cy="1152000"/>
+          </a:xfrm>
+          <a:prstGeom prst="rect">
+            <a:avLst/>
+          </a:prstGeom>
+        </p:spPr>
+        <p:style>
+          <a:lnRef idx="2">
+            <a:schemeClr val="accent1">
+              <a:shade val="50000"/>
+            </a:schemeClr>
+          </a:lnRef>
+          <a:fillRef idx="1">
+            <a:schemeClr val="accent1"/>
+          </a:fillRef>
+          <a:effectRef idx="0">
+            <a:schemeClr val="accent1"/>
+          </a:effectRef>
+          <a:fontRef idx="minor">
+            <a:schemeClr val="lt1"/>
+          </a:fontRef>
+        </p:style>
+        <p:txBody>
+          <a:bodyPr rtlCol="0" anchor="ctr"/>
+          <a:lstStyle/>
+          <a:p>
+            <a:pPr algn="ctr"/>
+            <a:endParaRPr lang="zh-CN" altLang="en-US"/>
+          </a:p>
+        </p:txBody>
+      </p:sp>
+      <p:sp>
+        <p:nvSpPr>
+          <p:cNvPr id="19" name="文本框 18">
+            <a:extLst>
+              <a:ext uri="{FF2B5EF4-FFF2-40B4-BE49-F238E27FC236}">
+                <a16:creationId xmlns:a16="http://schemas.microsoft.com/office/drawing/2014/main" id="{E5D4B97B-0A0F-4A18-A8DE-D7564FC02728}"/>
+              </a:ext>
+            </a:extLst>
+          </p:cNvPr>
+          <p:cNvSpPr txBox="1"/>
+          <p:nvPr/>
+        </p:nvSpPr>
+        <p:spPr>
+          <a:xfrm>
+            <a:off x="4641279" y="5137240"/>
+            <a:ext cx="1402948" cy="307777"/>
+          </a:xfrm>
+          <a:prstGeom prst="rect">
+            <a:avLst/>
+          </a:prstGeom>
+          <a:noFill/>
+        </p:spPr>
+        <p:txBody>
+          <a:bodyPr wrap="none" rtlCol="0">
+            <a:spAutoFit/>
+          </a:bodyPr>
+          <a:lstStyle/>
+          <a:p>
+            <a:r>
+              <a:rPr lang="en-US" altLang="zh-CN" sz="1400" dirty="0"/>
+              <a:t>128 *</a:t>
+            </a:r>
+            <a:r>
+              <a:rPr lang="zh-CN" altLang="en-US" sz="1400" dirty="0"/>
+              <a:t>（</a:t>
+            </a:r>
+            <a:r>
+              <a:rPr lang="en-US" altLang="zh-CN" sz="1400" dirty="0"/>
+              <a:t>256*3</a:t>
+            </a:r>
+            <a:r>
+              <a:rPr lang="zh-CN" altLang="en-US" sz="1400" dirty="0"/>
+              <a:t>）</a:t>
+            </a:r>
+          </a:p>
+        </p:txBody>
+      </p:sp>
+      <p:sp>
+        <p:nvSpPr>
+          <p:cNvPr id="20" name="矩形 19">
+            <a:extLst>
+              <a:ext uri="{FF2B5EF4-FFF2-40B4-BE49-F238E27FC236}">
+                <a16:creationId xmlns:a16="http://schemas.microsoft.com/office/drawing/2014/main" id="{BF1522D0-8EE4-49D2-AB88-6B90CBE2616B}"/>
+              </a:ext>
+            </a:extLst>
+          </p:cNvPr>
+          <p:cNvSpPr/>
+          <p:nvPr/>
+        </p:nvSpPr>
+        <p:spPr>
+          <a:xfrm>
+            <a:off x="5342753" y="3718140"/>
+            <a:ext cx="108000" cy="1152000"/>
+          </a:xfrm>
+          <a:prstGeom prst="rect">
+            <a:avLst/>
+          </a:prstGeom>
+        </p:spPr>
+        <p:style>
+          <a:lnRef idx="2">
+            <a:schemeClr val="accent1">
+              <a:shade val="50000"/>
+            </a:schemeClr>
+          </a:lnRef>
+          <a:fillRef idx="1">
+            <a:schemeClr val="accent1"/>
+          </a:fillRef>
+          <a:effectRef idx="0">
+            <a:schemeClr val="accent1"/>
+          </a:effectRef>
+          <a:fontRef idx="minor">
+            <a:schemeClr val="lt1"/>
+          </a:fontRef>
+        </p:style>
+        <p:txBody>
+          <a:bodyPr rtlCol="0" anchor="ctr"/>
+          <a:lstStyle/>
+          <a:p>
+            <a:pPr algn="ctr"/>
+            <a:endParaRPr lang="zh-CN" altLang="en-US"/>
+          </a:p>
+        </p:txBody>
+      </p:sp>
+      <p:sp>
+        <p:nvSpPr>
+          <p:cNvPr id="22" name="文本框 21">
+            <a:extLst>
+              <a:ext uri="{FF2B5EF4-FFF2-40B4-BE49-F238E27FC236}">
+                <a16:creationId xmlns:a16="http://schemas.microsoft.com/office/drawing/2014/main" id="{D6158735-5EC7-40C1-9758-525A02D29823}"/>
+              </a:ext>
+            </a:extLst>
+          </p:cNvPr>
+          <p:cNvSpPr txBox="1"/>
+          <p:nvPr/>
+        </p:nvSpPr>
+        <p:spPr>
+          <a:xfrm>
+            <a:off x="5874404" y="3490659"/>
+            <a:ext cx="933269" cy="369332"/>
+          </a:xfrm>
+          <a:prstGeom prst="rect">
+            <a:avLst/>
+          </a:prstGeom>
+          <a:noFill/>
+        </p:spPr>
+        <p:txBody>
+          <a:bodyPr wrap="none" rtlCol="0">
+            <a:spAutoFit/>
+          </a:bodyPr>
+          <a:lstStyle/>
+          <a:p>
+            <a:r>
+              <a:rPr lang="en-US" altLang="zh-CN" dirty="0"/>
+              <a:t>7 =  3 ?</a:t>
+            </a:r>
+            <a:endParaRPr lang="zh-CN" altLang="en-US" dirty="0"/>
+          </a:p>
+        </p:txBody>
+      </p:sp>
+      <p:sp>
+        <p:nvSpPr>
+          <p:cNvPr id="31" name="矩形 30">
+            <a:extLst>
+              <a:ext uri="{FF2B5EF4-FFF2-40B4-BE49-F238E27FC236}">
+                <a16:creationId xmlns:a16="http://schemas.microsoft.com/office/drawing/2014/main" id="{52E48064-8864-4240-A0BF-4C273341FC34}"/>
+              </a:ext>
+            </a:extLst>
+          </p:cNvPr>
+          <p:cNvSpPr/>
+          <p:nvPr/>
+        </p:nvSpPr>
+        <p:spPr>
+          <a:xfrm>
+            <a:off x="2254538" y="1738064"/>
+            <a:ext cx="648917" cy="688627"/>
+          </a:xfrm>
+          <a:prstGeom prst="rect">
+            <a:avLst/>
+          </a:prstGeom>
+        </p:spPr>
+        <p:style>
+          <a:lnRef idx="2">
+            <a:schemeClr val="accent1">
+              <a:shade val="50000"/>
+            </a:schemeClr>
+          </a:lnRef>
+          <a:fillRef idx="1">
+            <a:schemeClr val="accent1"/>
+          </a:fillRef>
+          <a:effectRef idx="0">
+            <a:schemeClr val="accent1"/>
+          </a:effectRef>
+          <a:fontRef idx="minor">
+            <a:schemeClr val="lt1"/>
+          </a:fontRef>
+        </p:style>
+        <p:txBody>
+          <a:bodyPr rtlCol="0" anchor="ctr"/>
+          <a:lstStyle/>
+          <a:p>
+            <a:pPr algn="ctr"/>
+            <a:endParaRPr lang="zh-CN" altLang="en-US"/>
+          </a:p>
+        </p:txBody>
+      </p:sp>
+      <p:sp>
+        <p:nvSpPr>
+          <p:cNvPr id="32" name="文本框 31">
+            <a:extLst>
+              <a:ext uri="{FF2B5EF4-FFF2-40B4-BE49-F238E27FC236}">
+                <a16:creationId xmlns:a16="http://schemas.microsoft.com/office/drawing/2014/main" id="{509D6358-97EE-406F-9364-EE2009D6E82C}"/>
+              </a:ext>
+            </a:extLst>
+          </p:cNvPr>
+          <p:cNvSpPr txBox="1"/>
+          <p:nvPr/>
+        </p:nvSpPr>
+        <p:spPr>
+          <a:xfrm>
+            <a:off x="2006826" y="2478030"/>
+            <a:ext cx="1144339" cy="369332"/>
+          </a:xfrm>
+          <a:prstGeom prst="rect">
+            <a:avLst/>
+          </a:prstGeom>
+          <a:noFill/>
+        </p:spPr>
+        <p:txBody>
+          <a:bodyPr wrap="square">
+            <a:spAutoFit/>
+          </a:bodyPr>
+          <a:lstStyle/>
+          <a:p>
+            <a:r>
+              <a:rPr lang="zh-CN" altLang="en-US" sz="1800" dirty="0"/>
+              <a:t>（</a:t>
+            </a:r>
+            <a:r>
+              <a:rPr lang="en-US" altLang="zh-CN" sz="1800" dirty="0"/>
+              <a:t>77*17</a:t>
+            </a:r>
+            <a:r>
+              <a:rPr lang="zh-CN" altLang="en-US" sz="1800" dirty="0"/>
+              <a:t>）</a:t>
+            </a:r>
+            <a:endParaRPr lang="zh-CN" altLang="en-US" dirty="0"/>
+          </a:p>
+        </p:txBody>
+      </p:sp>
+      <p:sp>
+        <p:nvSpPr>
+          <p:cNvPr id="3" name="文本框 2">
+            <a:extLst>
+              <a:ext uri="{FF2B5EF4-FFF2-40B4-BE49-F238E27FC236}">
+                <a16:creationId xmlns:a16="http://schemas.microsoft.com/office/drawing/2014/main" id="{E76C6BAF-2037-4DC6-973E-96E9C5579FA9}"/>
+              </a:ext>
+            </a:extLst>
+          </p:cNvPr>
+          <p:cNvSpPr txBox="1"/>
+          <p:nvPr/>
+        </p:nvSpPr>
+        <p:spPr>
+          <a:xfrm>
+            <a:off x="2237888" y="1359401"/>
+            <a:ext cx="665567" cy="369332"/>
+          </a:xfrm>
+          <a:prstGeom prst="rect">
+            <a:avLst/>
+          </a:prstGeom>
+          <a:noFill/>
+        </p:spPr>
+        <p:txBody>
+          <a:bodyPr wrap="none" rtlCol="0">
+            <a:spAutoFit/>
+          </a:bodyPr>
+          <a:lstStyle/>
+          <a:p>
+            <a:r>
+              <a:rPr lang="en-US" altLang="zh-CN" dirty="0"/>
+              <a:t>hello</a:t>
+            </a:r>
+            <a:endParaRPr lang="zh-CN" altLang="en-US" dirty="0"/>
+          </a:p>
+        </p:txBody>
+      </p:sp>
+      <p:sp>
+        <p:nvSpPr>
+          <p:cNvPr id="33" name="文本框 32">
+            <a:extLst>
+              <a:ext uri="{FF2B5EF4-FFF2-40B4-BE49-F238E27FC236}">
+                <a16:creationId xmlns:a16="http://schemas.microsoft.com/office/drawing/2014/main" id="{D04DBEF6-1E38-4726-A7EE-64FE8DAEF849}"/>
+              </a:ext>
+            </a:extLst>
+          </p:cNvPr>
+          <p:cNvSpPr txBox="1"/>
+          <p:nvPr/>
+        </p:nvSpPr>
+        <p:spPr>
+          <a:xfrm>
+            <a:off x="5831517" y="2932860"/>
+            <a:ext cx="4784013" cy="307777"/>
+          </a:xfrm>
+          <a:prstGeom prst="rect">
+            <a:avLst/>
+          </a:prstGeom>
+          <a:noFill/>
+        </p:spPr>
+        <p:txBody>
+          <a:bodyPr wrap="square" rtlCol="0">
+            <a:spAutoFit/>
+          </a:bodyPr>
+          <a:lstStyle>
+            <a:defPPr>
+              <a:defRPr lang="zh-CN"/>
+            </a:defPPr>
+            <a:lvl1pPr>
+              <a:defRPr sz="1400"/>
+            </a:lvl1pPr>
+          </a:lstStyle>
+          <a:p>
+            <a:r>
+              <a:rPr lang="en-US" altLang="zh-CN" dirty="0" err="1"/>
+              <a:t>in_channels</a:t>
+            </a:r>
+            <a:r>
+              <a:rPr lang="en-US" altLang="zh-CN" dirty="0"/>
+              <a:t> =256</a:t>
+            </a:r>
+            <a:r>
+              <a:rPr lang="zh-CN" altLang="en-US" dirty="0"/>
+              <a:t>，</a:t>
+            </a:r>
+            <a:r>
+              <a:rPr lang="en-US" altLang="zh-CN" dirty="0" err="1"/>
+              <a:t>kernal</a:t>
+            </a:r>
+            <a:r>
+              <a:rPr lang="en-US" altLang="zh-CN" dirty="0"/>
+              <a:t>=3</a:t>
+            </a:r>
+            <a:r>
+              <a:rPr lang="zh-CN" altLang="en-US" dirty="0"/>
+              <a:t>，</a:t>
+            </a:r>
+            <a:r>
+              <a:rPr lang="en-US" altLang="zh-CN" dirty="0"/>
+              <a:t>output = 256, STRIDE=2 </a:t>
+            </a:r>
+            <a:endParaRPr lang="zh-CN" altLang="en-US" dirty="0"/>
+          </a:p>
+        </p:txBody>
+      </p:sp>
+    </p:spTree>
+    <p:extLst>
+      <p:ext uri="{BB962C8B-B14F-4D97-AF65-F5344CB8AC3E}">
+        <p14:creationId xmlns:p14="http://schemas.microsoft.com/office/powerpoint/2010/main" val="2260186566"/>
       </p:ext>
     </p:extLst>
   </p:cSld>
